--- a/EDM/HW3.pptx
+++ b/EDM/HW3.pptx
@@ -5,7 +5,7 @@
     <p:sldMasterId id="2147483648" r:id="rId1"/>
   </p:sldMasterIdLst>
   <p:notesMasterIdLst>
-    <p:notesMasterId r:id="rId11"/>
+    <p:notesMasterId r:id="rId10"/>
   </p:notesMasterIdLst>
   <p:sldIdLst>
     <p:sldId id="256" r:id="rId2"/>
@@ -14,9 +14,8 @@
     <p:sldId id="265" r:id="rId5"/>
     <p:sldId id="266" r:id="rId6"/>
     <p:sldId id="268" r:id="rId7"/>
-    <p:sldId id="267" r:id="rId8"/>
-    <p:sldId id="263" r:id="rId9"/>
-    <p:sldId id="262" r:id="rId10"/>
+    <p:sldId id="263" r:id="rId8"/>
+    <p:sldId id="262" r:id="rId9"/>
   </p:sldIdLst>
   <p:sldSz cx="12192000" cy="6858000"/>
   <p:notesSz cx="6858000" cy="9144000"/>
@@ -205,7 +204,7 @@
           <a:p>
             <a:fld id="{B2F1E0E4-0167-4032-AC6F-196421B3EC55}" type="datetimeFigureOut">
               <a:rPr lang="zh-TW" altLang="en-US" smtClean="0"/>
-              <a:t>2023/11/7</a:t>
+              <a:t>2024/10/29</a:t>
             </a:fld>
             <a:endParaRPr lang="zh-TW" altLang="en-US"/>
           </a:p>
@@ -269,38 +268,37 @@
           <a:p>
             <a:pPr lvl="0"/>
             <a:r>
-              <a:rPr lang="zh-TW" altLang="en-US" smtClean="0"/>
+              <a:rPr lang="zh-TW" altLang="en-US"/>
               <a:t>按一下以編輯母片文字樣式</a:t>
             </a:r>
           </a:p>
           <a:p>
             <a:pPr lvl="1"/>
             <a:r>
-              <a:rPr lang="zh-TW" altLang="en-US" smtClean="0"/>
+              <a:rPr lang="zh-TW" altLang="en-US"/>
               <a:t>第二層</a:t>
             </a:r>
           </a:p>
           <a:p>
             <a:pPr lvl="2"/>
             <a:r>
-              <a:rPr lang="zh-TW" altLang="en-US" smtClean="0"/>
+              <a:rPr lang="zh-TW" altLang="en-US"/>
               <a:t>第三層</a:t>
             </a:r>
           </a:p>
           <a:p>
             <a:pPr lvl="3"/>
             <a:r>
-              <a:rPr lang="zh-TW" altLang="en-US" smtClean="0"/>
+              <a:rPr lang="zh-TW" altLang="en-US"/>
               <a:t>第四層</a:t>
             </a:r>
           </a:p>
           <a:p>
             <a:pPr lvl="4"/>
             <a:r>
-              <a:rPr lang="zh-TW" altLang="en-US" smtClean="0"/>
+              <a:rPr lang="zh-TW" altLang="en-US"/>
               <a:t>第五層</a:t>
             </a:r>
-            <a:endParaRPr lang="zh-TW" altLang="en-US"/>
           </a:p>
         </p:txBody>
       </p:sp>
@@ -515,10 +513,9 @@
           </a:lstStyle>
           <a:p>
             <a:r>
-              <a:rPr lang="zh-TW" altLang="en-US" smtClean="0"/>
+              <a:rPr lang="zh-TW" altLang="en-US"/>
               <a:t>按一下以編輯母片標題樣式</a:t>
             </a:r>
-            <a:endParaRPr lang="zh-TW" altLang="en-US"/>
           </a:p>
         </p:txBody>
       </p:sp>
@@ -580,10 +577,9 @@
           </a:lstStyle>
           <a:p>
             <a:r>
-              <a:rPr lang="zh-TW" altLang="en-US" smtClean="0"/>
+              <a:rPr lang="zh-TW" altLang="en-US"/>
               <a:t>按一下以編輯母片副標題樣式</a:t>
             </a:r>
-            <a:endParaRPr lang="zh-TW" altLang="en-US"/>
           </a:p>
         </p:txBody>
       </p:sp>
@@ -604,7 +600,7 @@
           <a:p>
             <a:fld id="{9553D06D-798D-41B2-8E09-945CDEC492DF}" type="datetimeFigureOut">
               <a:rPr lang="zh-TW" altLang="en-US" smtClean="0"/>
-              <a:t>2023/11/7</a:t>
+              <a:t>2024/10/29</a:t>
             </a:fld>
             <a:endParaRPr lang="zh-TW" altLang="en-US"/>
           </a:p>
@@ -698,10 +694,9 @@
           <a:lstStyle/>
           <a:p>
             <a:r>
-              <a:rPr lang="zh-TW" altLang="en-US" smtClean="0"/>
+              <a:rPr lang="zh-TW" altLang="en-US"/>
               <a:t>按一下以編輯母片標題樣式</a:t>
             </a:r>
-            <a:endParaRPr lang="zh-TW" altLang="en-US"/>
           </a:p>
         </p:txBody>
       </p:sp>
@@ -722,38 +717,37 @@
           <a:p>
             <a:pPr lvl="0"/>
             <a:r>
-              <a:rPr lang="zh-TW" altLang="en-US" smtClean="0"/>
+              <a:rPr lang="zh-TW" altLang="en-US"/>
               <a:t>按一下以編輯母片文字樣式</a:t>
             </a:r>
           </a:p>
           <a:p>
             <a:pPr lvl="1"/>
             <a:r>
-              <a:rPr lang="zh-TW" altLang="en-US" smtClean="0"/>
+              <a:rPr lang="zh-TW" altLang="en-US"/>
               <a:t>第二層</a:t>
             </a:r>
           </a:p>
           <a:p>
             <a:pPr lvl="2"/>
             <a:r>
-              <a:rPr lang="zh-TW" altLang="en-US" smtClean="0"/>
+              <a:rPr lang="zh-TW" altLang="en-US"/>
               <a:t>第三層</a:t>
             </a:r>
           </a:p>
           <a:p>
             <a:pPr lvl="3"/>
             <a:r>
-              <a:rPr lang="zh-TW" altLang="en-US" smtClean="0"/>
+              <a:rPr lang="zh-TW" altLang="en-US"/>
               <a:t>第四層</a:t>
             </a:r>
           </a:p>
           <a:p>
             <a:pPr lvl="4"/>
             <a:r>
-              <a:rPr lang="zh-TW" altLang="en-US" smtClean="0"/>
+              <a:rPr lang="zh-TW" altLang="en-US"/>
               <a:t>第五層</a:t>
             </a:r>
-            <a:endParaRPr lang="zh-TW" altLang="en-US"/>
           </a:p>
         </p:txBody>
       </p:sp>
@@ -774,7 +768,7 @@
           <a:p>
             <a:fld id="{9553D06D-798D-41B2-8E09-945CDEC492DF}" type="datetimeFigureOut">
               <a:rPr lang="zh-TW" altLang="en-US" smtClean="0"/>
-              <a:t>2023/11/7</a:t>
+              <a:t>2024/10/29</a:t>
             </a:fld>
             <a:endParaRPr lang="zh-TW" altLang="en-US"/>
           </a:p>
@@ -873,10 +867,9 @@
           <a:lstStyle/>
           <a:p>
             <a:r>
-              <a:rPr lang="zh-TW" altLang="en-US" smtClean="0"/>
+              <a:rPr lang="zh-TW" altLang="en-US"/>
               <a:t>按一下以編輯母片標題樣式</a:t>
             </a:r>
-            <a:endParaRPr lang="zh-TW" altLang="en-US"/>
           </a:p>
         </p:txBody>
       </p:sp>
@@ -902,38 +895,37 @@
           <a:p>
             <a:pPr lvl="0"/>
             <a:r>
-              <a:rPr lang="zh-TW" altLang="en-US" smtClean="0"/>
+              <a:rPr lang="zh-TW" altLang="en-US"/>
               <a:t>按一下以編輯母片文字樣式</a:t>
             </a:r>
           </a:p>
           <a:p>
             <a:pPr lvl="1"/>
             <a:r>
-              <a:rPr lang="zh-TW" altLang="en-US" smtClean="0"/>
+              <a:rPr lang="zh-TW" altLang="en-US"/>
               <a:t>第二層</a:t>
             </a:r>
           </a:p>
           <a:p>
             <a:pPr lvl="2"/>
             <a:r>
-              <a:rPr lang="zh-TW" altLang="en-US" smtClean="0"/>
+              <a:rPr lang="zh-TW" altLang="en-US"/>
               <a:t>第三層</a:t>
             </a:r>
           </a:p>
           <a:p>
             <a:pPr lvl="3"/>
             <a:r>
-              <a:rPr lang="zh-TW" altLang="en-US" smtClean="0"/>
+              <a:rPr lang="zh-TW" altLang="en-US"/>
               <a:t>第四層</a:t>
             </a:r>
           </a:p>
           <a:p>
             <a:pPr lvl="4"/>
             <a:r>
-              <a:rPr lang="zh-TW" altLang="en-US" smtClean="0"/>
+              <a:rPr lang="zh-TW" altLang="en-US"/>
               <a:t>第五層</a:t>
             </a:r>
-            <a:endParaRPr lang="zh-TW" altLang="en-US"/>
           </a:p>
         </p:txBody>
       </p:sp>
@@ -954,7 +946,7 @@
           <a:p>
             <a:fld id="{9553D06D-798D-41B2-8E09-945CDEC492DF}" type="datetimeFigureOut">
               <a:rPr lang="zh-TW" altLang="en-US" smtClean="0"/>
-              <a:t>2023/11/7</a:t>
+              <a:t>2024/10/29</a:t>
             </a:fld>
             <a:endParaRPr lang="zh-TW" altLang="en-US"/>
           </a:p>
@@ -1048,10 +1040,9 @@
           <a:lstStyle/>
           <a:p>
             <a:r>
-              <a:rPr lang="zh-TW" altLang="en-US" smtClean="0"/>
+              <a:rPr lang="zh-TW" altLang="en-US"/>
               <a:t>按一下以編輯母片標題樣式</a:t>
             </a:r>
-            <a:endParaRPr lang="zh-TW" altLang="en-US"/>
           </a:p>
         </p:txBody>
       </p:sp>
@@ -1072,38 +1063,37 @@
           <a:p>
             <a:pPr lvl="0"/>
             <a:r>
-              <a:rPr lang="zh-TW" altLang="en-US" smtClean="0"/>
+              <a:rPr lang="zh-TW" altLang="en-US"/>
               <a:t>按一下以編輯母片文字樣式</a:t>
             </a:r>
           </a:p>
           <a:p>
             <a:pPr lvl="1"/>
             <a:r>
-              <a:rPr lang="zh-TW" altLang="en-US" smtClean="0"/>
+              <a:rPr lang="zh-TW" altLang="en-US"/>
               <a:t>第二層</a:t>
             </a:r>
           </a:p>
           <a:p>
             <a:pPr lvl="2"/>
             <a:r>
-              <a:rPr lang="zh-TW" altLang="en-US" smtClean="0"/>
+              <a:rPr lang="zh-TW" altLang="en-US"/>
               <a:t>第三層</a:t>
             </a:r>
           </a:p>
           <a:p>
             <a:pPr lvl="3"/>
             <a:r>
-              <a:rPr lang="zh-TW" altLang="en-US" smtClean="0"/>
+              <a:rPr lang="zh-TW" altLang="en-US"/>
               <a:t>第四層</a:t>
             </a:r>
           </a:p>
           <a:p>
             <a:pPr lvl="4"/>
             <a:r>
-              <a:rPr lang="zh-TW" altLang="en-US" smtClean="0"/>
+              <a:rPr lang="zh-TW" altLang="en-US"/>
               <a:t>第五層</a:t>
             </a:r>
-            <a:endParaRPr lang="zh-TW" altLang="en-US"/>
           </a:p>
         </p:txBody>
       </p:sp>
@@ -1124,7 +1114,7 @@
           <a:p>
             <a:fld id="{9553D06D-798D-41B2-8E09-945CDEC492DF}" type="datetimeFigureOut">
               <a:rPr lang="zh-TW" altLang="en-US" smtClean="0"/>
-              <a:t>2023/11/7</a:t>
+              <a:t>2024/10/29</a:t>
             </a:fld>
             <a:endParaRPr lang="zh-TW" altLang="en-US"/>
           </a:p>
@@ -1227,10 +1217,9 @@
           </a:lstStyle>
           <a:p>
             <a:r>
-              <a:rPr lang="zh-TW" altLang="en-US" smtClean="0"/>
+              <a:rPr lang="zh-TW" altLang="en-US"/>
               <a:t>按一下以編輯母片標題樣式</a:t>
             </a:r>
-            <a:endParaRPr lang="zh-TW" altLang="en-US"/>
           </a:p>
         </p:txBody>
       </p:sp>
@@ -1347,7 +1336,7 @@
           <a:p>
             <a:pPr lvl="0"/>
             <a:r>
-              <a:rPr lang="zh-TW" altLang="en-US" smtClean="0"/>
+              <a:rPr lang="zh-TW" altLang="en-US"/>
               <a:t>按一下以編輯母片文字樣式</a:t>
             </a:r>
           </a:p>
@@ -1370,7 +1359,7 @@
           <a:p>
             <a:fld id="{9553D06D-798D-41B2-8E09-945CDEC492DF}" type="datetimeFigureOut">
               <a:rPr lang="zh-TW" altLang="en-US" smtClean="0"/>
-              <a:t>2023/11/7</a:t>
+              <a:t>2024/10/29</a:t>
             </a:fld>
             <a:endParaRPr lang="zh-TW" altLang="en-US"/>
           </a:p>
@@ -1464,10 +1453,9 @@
           <a:lstStyle/>
           <a:p>
             <a:r>
-              <a:rPr lang="zh-TW" altLang="en-US" smtClean="0"/>
+              <a:rPr lang="zh-TW" altLang="en-US"/>
               <a:t>按一下以編輯母片標題樣式</a:t>
             </a:r>
-            <a:endParaRPr lang="zh-TW" altLang="en-US"/>
           </a:p>
         </p:txBody>
       </p:sp>
@@ -1493,38 +1481,37 @@
           <a:p>
             <a:pPr lvl="0"/>
             <a:r>
-              <a:rPr lang="zh-TW" altLang="en-US" smtClean="0"/>
+              <a:rPr lang="zh-TW" altLang="en-US"/>
               <a:t>按一下以編輯母片文字樣式</a:t>
             </a:r>
           </a:p>
           <a:p>
             <a:pPr lvl="1"/>
             <a:r>
-              <a:rPr lang="zh-TW" altLang="en-US" smtClean="0"/>
+              <a:rPr lang="zh-TW" altLang="en-US"/>
               <a:t>第二層</a:t>
             </a:r>
           </a:p>
           <a:p>
             <a:pPr lvl="2"/>
             <a:r>
-              <a:rPr lang="zh-TW" altLang="en-US" smtClean="0"/>
+              <a:rPr lang="zh-TW" altLang="en-US"/>
               <a:t>第三層</a:t>
             </a:r>
           </a:p>
           <a:p>
             <a:pPr lvl="3"/>
             <a:r>
-              <a:rPr lang="zh-TW" altLang="en-US" smtClean="0"/>
+              <a:rPr lang="zh-TW" altLang="en-US"/>
               <a:t>第四層</a:t>
             </a:r>
           </a:p>
           <a:p>
             <a:pPr lvl="4"/>
             <a:r>
-              <a:rPr lang="zh-TW" altLang="en-US" smtClean="0"/>
+              <a:rPr lang="zh-TW" altLang="en-US"/>
               <a:t>第五層</a:t>
             </a:r>
-            <a:endParaRPr lang="zh-TW" altLang="en-US"/>
           </a:p>
         </p:txBody>
       </p:sp>
@@ -1550,38 +1537,37 @@
           <a:p>
             <a:pPr lvl="0"/>
             <a:r>
-              <a:rPr lang="zh-TW" altLang="en-US" smtClean="0"/>
+              <a:rPr lang="zh-TW" altLang="en-US"/>
               <a:t>按一下以編輯母片文字樣式</a:t>
             </a:r>
           </a:p>
           <a:p>
             <a:pPr lvl="1"/>
             <a:r>
-              <a:rPr lang="zh-TW" altLang="en-US" smtClean="0"/>
+              <a:rPr lang="zh-TW" altLang="en-US"/>
               <a:t>第二層</a:t>
             </a:r>
           </a:p>
           <a:p>
             <a:pPr lvl="2"/>
             <a:r>
-              <a:rPr lang="zh-TW" altLang="en-US" smtClean="0"/>
+              <a:rPr lang="zh-TW" altLang="en-US"/>
               <a:t>第三層</a:t>
             </a:r>
           </a:p>
           <a:p>
             <a:pPr lvl="3"/>
             <a:r>
-              <a:rPr lang="zh-TW" altLang="en-US" smtClean="0"/>
+              <a:rPr lang="zh-TW" altLang="en-US"/>
               <a:t>第四層</a:t>
             </a:r>
           </a:p>
           <a:p>
             <a:pPr lvl="4"/>
             <a:r>
-              <a:rPr lang="zh-TW" altLang="en-US" smtClean="0"/>
+              <a:rPr lang="zh-TW" altLang="en-US"/>
               <a:t>第五層</a:t>
             </a:r>
-            <a:endParaRPr lang="zh-TW" altLang="en-US"/>
           </a:p>
         </p:txBody>
       </p:sp>
@@ -1602,7 +1588,7 @@
           <a:p>
             <a:fld id="{9553D06D-798D-41B2-8E09-945CDEC492DF}" type="datetimeFigureOut">
               <a:rPr lang="zh-TW" altLang="en-US" smtClean="0"/>
-              <a:t>2023/11/7</a:t>
+              <a:t>2024/10/29</a:t>
             </a:fld>
             <a:endParaRPr lang="zh-TW" altLang="en-US"/>
           </a:p>
@@ -1701,10 +1687,9 @@
           <a:lstStyle/>
           <a:p>
             <a:r>
-              <a:rPr lang="zh-TW" altLang="en-US" smtClean="0"/>
+              <a:rPr lang="zh-TW" altLang="en-US"/>
               <a:t>按一下以編輯母片標題樣式</a:t>
             </a:r>
-            <a:endParaRPr lang="zh-TW" altLang="en-US"/>
           </a:p>
         </p:txBody>
       </p:sp>
@@ -1767,7 +1752,7 @@
           <a:p>
             <a:pPr lvl="0"/>
             <a:r>
-              <a:rPr lang="zh-TW" altLang="en-US" smtClean="0"/>
+              <a:rPr lang="zh-TW" altLang="en-US"/>
               <a:t>按一下以編輯母片文字樣式</a:t>
             </a:r>
           </a:p>
@@ -1795,38 +1780,37 @@
           <a:p>
             <a:pPr lvl="0"/>
             <a:r>
-              <a:rPr lang="zh-TW" altLang="en-US" smtClean="0"/>
+              <a:rPr lang="zh-TW" altLang="en-US"/>
               <a:t>按一下以編輯母片文字樣式</a:t>
             </a:r>
           </a:p>
           <a:p>
             <a:pPr lvl="1"/>
             <a:r>
-              <a:rPr lang="zh-TW" altLang="en-US" smtClean="0"/>
+              <a:rPr lang="zh-TW" altLang="en-US"/>
               <a:t>第二層</a:t>
             </a:r>
           </a:p>
           <a:p>
             <a:pPr lvl="2"/>
             <a:r>
-              <a:rPr lang="zh-TW" altLang="en-US" smtClean="0"/>
+              <a:rPr lang="zh-TW" altLang="en-US"/>
               <a:t>第三層</a:t>
             </a:r>
           </a:p>
           <a:p>
             <a:pPr lvl="3"/>
             <a:r>
-              <a:rPr lang="zh-TW" altLang="en-US" smtClean="0"/>
+              <a:rPr lang="zh-TW" altLang="en-US"/>
               <a:t>第四層</a:t>
             </a:r>
           </a:p>
           <a:p>
             <a:pPr lvl="4"/>
             <a:r>
-              <a:rPr lang="zh-TW" altLang="en-US" smtClean="0"/>
+              <a:rPr lang="zh-TW" altLang="en-US"/>
               <a:t>第五層</a:t>
             </a:r>
-            <a:endParaRPr lang="zh-TW" altLang="en-US"/>
           </a:p>
         </p:txBody>
       </p:sp>
@@ -1889,7 +1873,7 @@
           <a:p>
             <a:pPr lvl="0"/>
             <a:r>
-              <a:rPr lang="zh-TW" altLang="en-US" smtClean="0"/>
+              <a:rPr lang="zh-TW" altLang="en-US"/>
               <a:t>按一下以編輯母片文字樣式</a:t>
             </a:r>
           </a:p>
@@ -1917,38 +1901,37 @@
           <a:p>
             <a:pPr lvl="0"/>
             <a:r>
-              <a:rPr lang="zh-TW" altLang="en-US" smtClean="0"/>
+              <a:rPr lang="zh-TW" altLang="en-US"/>
               <a:t>按一下以編輯母片文字樣式</a:t>
             </a:r>
           </a:p>
           <a:p>
             <a:pPr lvl="1"/>
             <a:r>
-              <a:rPr lang="zh-TW" altLang="en-US" smtClean="0"/>
+              <a:rPr lang="zh-TW" altLang="en-US"/>
               <a:t>第二層</a:t>
             </a:r>
           </a:p>
           <a:p>
             <a:pPr lvl="2"/>
             <a:r>
-              <a:rPr lang="zh-TW" altLang="en-US" smtClean="0"/>
+              <a:rPr lang="zh-TW" altLang="en-US"/>
               <a:t>第三層</a:t>
             </a:r>
           </a:p>
           <a:p>
             <a:pPr lvl="3"/>
             <a:r>
-              <a:rPr lang="zh-TW" altLang="en-US" smtClean="0"/>
+              <a:rPr lang="zh-TW" altLang="en-US"/>
               <a:t>第四層</a:t>
             </a:r>
           </a:p>
           <a:p>
             <a:pPr lvl="4"/>
             <a:r>
-              <a:rPr lang="zh-TW" altLang="en-US" smtClean="0"/>
+              <a:rPr lang="zh-TW" altLang="en-US"/>
               <a:t>第五層</a:t>
             </a:r>
-            <a:endParaRPr lang="zh-TW" altLang="en-US"/>
           </a:p>
         </p:txBody>
       </p:sp>
@@ -1969,7 +1952,7 @@
           <a:p>
             <a:fld id="{9553D06D-798D-41B2-8E09-945CDEC492DF}" type="datetimeFigureOut">
               <a:rPr lang="zh-TW" altLang="en-US" smtClean="0"/>
-              <a:t>2023/11/7</a:t>
+              <a:t>2024/10/29</a:t>
             </a:fld>
             <a:endParaRPr lang="zh-TW" altLang="en-US"/>
           </a:p>
@@ -2063,10 +2046,9 @@
           <a:lstStyle/>
           <a:p>
             <a:r>
-              <a:rPr lang="zh-TW" altLang="en-US" smtClean="0"/>
+              <a:rPr lang="zh-TW" altLang="en-US"/>
               <a:t>按一下以編輯母片標題樣式</a:t>
             </a:r>
-            <a:endParaRPr lang="zh-TW" altLang="en-US"/>
           </a:p>
         </p:txBody>
       </p:sp>
@@ -2087,7 +2069,7 @@
           <a:p>
             <a:fld id="{9553D06D-798D-41B2-8E09-945CDEC492DF}" type="datetimeFigureOut">
               <a:rPr lang="zh-TW" altLang="en-US" smtClean="0"/>
-              <a:t>2023/11/7</a:t>
+              <a:t>2024/10/29</a:t>
             </a:fld>
             <a:endParaRPr lang="zh-TW" altLang="en-US"/>
           </a:p>
@@ -2182,7 +2164,7 @@
           <a:p>
             <a:fld id="{9553D06D-798D-41B2-8E09-945CDEC492DF}" type="datetimeFigureOut">
               <a:rPr lang="zh-TW" altLang="en-US" smtClean="0"/>
-              <a:t>2023/11/7</a:t>
+              <a:t>2024/10/29</a:t>
             </a:fld>
             <a:endParaRPr lang="zh-TW" altLang="en-US"/>
           </a:p>
@@ -2285,10 +2267,9 @@
           </a:lstStyle>
           <a:p>
             <a:r>
-              <a:rPr lang="zh-TW" altLang="en-US" smtClean="0"/>
+              <a:rPr lang="zh-TW" altLang="en-US"/>
               <a:t>按一下以編輯母片標題樣式</a:t>
             </a:r>
-            <a:endParaRPr lang="zh-TW" altLang="en-US"/>
           </a:p>
         </p:txBody>
       </p:sp>
@@ -2342,38 +2323,37 @@
           <a:p>
             <a:pPr lvl="0"/>
             <a:r>
-              <a:rPr lang="zh-TW" altLang="en-US" smtClean="0"/>
+              <a:rPr lang="zh-TW" altLang="en-US"/>
               <a:t>按一下以編輯母片文字樣式</a:t>
             </a:r>
           </a:p>
           <a:p>
             <a:pPr lvl="1"/>
             <a:r>
-              <a:rPr lang="zh-TW" altLang="en-US" smtClean="0"/>
+              <a:rPr lang="zh-TW" altLang="en-US"/>
               <a:t>第二層</a:t>
             </a:r>
           </a:p>
           <a:p>
             <a:pPr lvl="2"/>
             <a:r>
-              <a:rPr lang="zh-TW" altLang="en-US" smtClean="0"/>
+              <a:rPr lang="zh-TW" altLang="en-US"/>
               <a:t>第三層</a:t>
             </a:r>
           </a:p>
           <a:p>
             <a:pPr lvl="3"/>
             <a:r>
-              <a:rPr lang="zh-TW" altLang="en-US" smtClean="0"/>
+              <a:rPr lang="zh-TW" altLang="en-US"/>
               <a:t>第四層</a:t>
             </a:r>
           </a:p>
           <a:p>
             <a:pPr lvl="4"/>
             <a:r>
-              <a:rPr lang="zh-TW" altLang="en-US" smtClean="0"/>
+              <a:rPr lang="zh-TW" altLang="en-US"/>
               <a:t>第五層</a:t>
             </a:r>
-            <a:endParaRPr lang="zh-TW" altLang="en-US"/>
           </a:p>
         </p:txBody>
       </p:sp>
@@ -2436,7 +2416,7 @@
           <a:p>
             <a:pPr lvl="0"/>
             <a:r>
-              <a:rPr lang="zh-TW" altLang="en-US" smtClean="0"/>
+              <a:rPr lang="zh-TW" altLang="en-US"/>
               <a:t>按一下以編輯母片文字樣式</a:t>
             </a:r>
           </a:p>
@@ -2459,7 +2439,7 @@
           <a:p>
             <a:fld id="{9553D06D-798D-41B2-8E09-945CDEC492DF}" type="datetimeFigureOut">
               <a:rPr lang="zh-TW" altLang="en-US" smtClean="0"/>
-              <a:t>2023/11/7</a:t>
+              <a:t>2024/10/29</a:t>
             </a:fld>
             <a:endParaRPr lang="zh-TW" altLang="en-US"/>
           </a:p>
@@ -2562,10 +2542,9 @@
           </a:lstStyle>
           <a:p>
             <a:r>
-              <a:rPr lang="zh-TW" altLang="en-US" smtClean="0"/>
+              <a:rPr lang="zh-TW" altLang="en-US"/>
               <a:t>按一下以編輯母片標題樣式</a:t>
             </a:r>
-            <a:endParaRPr lang="zh-TW" altLang="en-US"/>
           </a:p>
         </p:txBody>
       </p:sp>
@@ -2689,7 +2668,7 @@
           <a:p>
             <a:pPr lvl="0"/>
             <a:r>
-              <a:rPr lang="zh-TW" altLang="en-US" smtClean="0"/>
+              <a:rPr lang="zh-TW" altLang="en-US"/>
               <a:t>按一下以編輯母片文字樣式</a:t>
             </a:r>
           </a:p>
@@ -2712,7 +2691,7 @@
           <a:p>
             <a:fld id="{9553D06D-798D-41B2-8E09-945CDEC492DF}" type="datetimeFigureOut">
               <a:rPr lang="zh-TW" altLang="en-US" smtClean="0"/>
-              <a:t>2023/11/7</a:t>
+              <a:t>2024/10/29</a:t>
             </a:fld>
             <a:endParaRPr lang="zh-TW" altLang="en-US"/>
           </a:p>
@@ -2821,10 +2800,9 @@
           <a:lstStyle/>
           <a:p>
             <a:r>
-              <a:rPr lang="zh-TW" altLang="en-US" smtClean="0"/>
+              <a:rPr lang="zh-TW" altLang="en-US"/>
               <a:t>按一下以編輯母片標題樣式</a:t>
             </a:r>
-            <a:endParaRPr lang="zh-TW" altLang="en-US"/>
           </a:p>
         </p:txBody>
       </p:sp>
@@ -2855,38 +2833,37 @@
           <a:p>
             <a:pPr lvl="0"/>
             <a:r>
-              <a:rPr lang="zh-TW" altLang="en-US" smtClean="0"/>
+              <a:rPr lang="zh-TW" altLang="en-US"/>
               <a:t>按一下以編輯母片文字樣式</a:t>
             </a:r>
           </a:p>
           <a:p>
             <a:pPr lvl="1"/>
             <a:r>
-              <a:rPr lang="zh-TW" altLang="en-US" smtClean="0"/>
+              <a:rPr lang="zh-TW" altLang="en-US"/>
               <a:t>第二層</a:t>
             </a:r>
           </a:p>
           <a:p>
             <a:pPr lvl="2"/>
             <a:r>
-              <a:rPr lang="zh-TW" altLang="en-US" smtClean="0"/>
+              <a:rPr lang="zh-TW" altLang="en-US"/>
               <a:t>第三層</a:t>
             </a:r>
           </a:p>
           <a:p>
             <a:pPr lvl="3"/>
             <a:r>
-              <a:rPr lang="zh-TW" altLang="en-US" smtClean="0"/>
+              <a:rPr lang="zh-TW" altLang="en-US"/>
               <a:t>第四層</a:t>
             </a:r>
           </a:p>
           <a:p>
             <a:pPr lvl="4"/>
             <a:r>
-              <a:rPr lang="zh-TW" altLang="en-US" smtClean="0"/>
+              <a:rPr lang="zh-TW" altLang="en-US"/>
               <a:t>第五層</a:t>
             </a:r>
-            <a:endParaRPr lang="zh-TW" altLang="en-US"/>
           </a:p>
         </p:txBody>
       </p:sp>
@@ -2925,7 +2902,7 @@
           <a:p>
             <a:fld id="{9553D06D-798D-41B2-8E09-945CDEC492DF}" type="datetimeFigureOut">
               <a:rPr lang="zh-TW" altLang="en-US" smtClean="0"/>
-              <a:t>2023/11/7</a:t>
+              <a:t>2024/10/29</a:t>
             </a:fld>
             <a:endParaRPr lang="zh-TW" altLang="en-US"/>
           </a:p>
@@ -3346,23 +3323,15 @@
           <a:lstStyle/>
           <a:p>
             <a:r>
-              <a:rPr lang="en-US" altLang="zh-TW" dirty="0" smtClean="0"/>
-              <a:t>Educational </a:t>
-            </a:r>
-            <a:r>
-              <a:rPr lang="en-US" altLang="zh-TW" dirty="0" smtClean="0"/>
-              <a:t>Data </a:t>
-            </a:r>
-            <a:r>
-              <a:rPr lang="en-US" altLang="zh-TW" dirty="0" smtClean="0"/>
-              <a:t>Mining and </a:t>
-            </a:r>
-            <a:r>
-              <a:rPr lang="en-US" altLang="zh-TW" smtClean="0"/>
+              <a:rPr lang="en-US" altLang="zh-TW" dirty="0"/>
+              <a:t>Educational Data Mining and </a:t>
+            </a:r>
+            <a:r>
+              <a:rPr lang="en-US" altLang="zh-TW"/>
               <a:t>Applciations: </a:t>
             </a:r>
             <a:r>
-              <a:rPr lang="en-US" altLang="zh-TW" dirty="0" smtClean="0"/>
+              <a:rPr lang="en-US" altLang="zh-TW" dirty="0"/>
               <a:t>HW#3</a:t>
             </a:r>
             <a:endParaRPr lang="zh-TW" altLang="en-US" dirty="0"/>
@@ -3385,14 +3354,14 @@
           <a:lstStyle/>
           <a:p>
             <a:r>
-              <a:rPr lang="en-US" altLang="zh-TW" dirty="0" smtClean="0"/>
+              <a:rPr lang="en-US" altLang="zh-TW" dirty="0"/>
               <a:t>By J. H. Wang</a:t>
             </a:r>
           </a:p>
           <a:p>
             <a:r>
-              <a:rPr lang="en-US" altLang="zh-TW" dirty="0" smtClean="0"/>
-              <a:t>Nov. 7, 2023</a:t>
+              <a:rPr lang="en-US" altLang="zh-TW" dirty="0"/>
+              <a:t>Oct. 30, 2024</a:t>
             </a:r>
             <a:endParaRPr lang="zh-TW" altLang="en-US" dirty="0"/>
           </a:p>
@@ -3408,13 +3377,6 @@
   <p:clrMapOvr>
     <a:masterClrMapping/>
   </p:clrMapOvr>
-  <p:timing>
-    <p:tnLst>
-      <p:par>
-        <p:cTn id="1" dur="indefinite" restart="never" nodeType="tmRoot"/>
-      </p:par>
-    </p:tnLst>
-  </p:timing>
 </p:sld>
 </file>
 
@@ -3451,7 +3413,7 @@
           <a:lstStyle/>
           <a:p>
             <a:r>
-              <a:rPr lang="en-US" altLang="zh-TW" dirty="0" smtClean="0"/>
+              <a:rPr lang="en-US" altLang="zh-TW" dirty="0"/>
               <a:t>Homework #3: Classification</a:t>
             </a:r>
             <a:endParaRPr lang="zh-TW" altLang="en-US" dirty="0"/>
@@ -3474,66 +3436,60 @@
           <a:lstStyle/>
           <a:p>
             <a:r>
-              <a:rPr lang="en-US" altLang="zh-TW" dirty="0" smtClean="0"/>
-              <a:t>Chap.8:</a:t>
+              <a:rPr lang="en-US" altLang="zh-TW" dirty="0"/>
+              <a:t>Chap.6:</a:t>
             </a:r>
           </a:p>
           <a:p>
             <a:pPr lvl="1"/>
             <a:r>
-              <a:rPr lang="en-US" altLang="zh-TW" dirty="0" smtClean="0"/>
-              <a:t>8.11</a:t>
+              <a:rPr lang="en-US" altLang="zh-TW" dirty="0"/>
+              <a:t>6.6</a:t>
             </a:r>
           </a:p>
           <a:p>
             <a:pPr lvl="1"/>
             <a:r>
-              <a:rPr lang="en-US" altLang="zh-TW" dirty="0" smtClean="0"/>
-              <a:t>8.12</a:t>
+              <a:rPr lang="en-US" altLang="zh-TW" dirty="0"/>
+              <a:t>6.8</a:t>
             </a:r>
           </a:p>
           <a:p>
             <a:pPr lvl="1"/>
             <a:r>
-              <a:rPr lang="en-US" altLang="zh-TW" dirty="0" smtClean="0"/>
-              <a:t>8.16</a:t>
-            </a:r>
-          </a:p>
-          <a:p>
-            <a:r>
-              <a:rPr lang="en-US" altLang="zh-TW" dirty="0" smtClean="0"/>
-              <a:t>Chap.9:</a:t>
+              <a:rPr lang="en-US" altLang="zh-TW" dirty="0"/>
+              <a:t>6.9</a:t>
             </a:r>
           </a:p>
           <a:p>
             <a:pPr lvl="1"/>
             <a:r>
-              <a:rPr lang="en-US" altLang="zh-TW" dirty="0" smtClean="0"/>
-              <a:t>9.4</a:t>
+              <a:rPr lang="en-US" altLang="zh-TW" dirty="0"/>
+              <a:t>6.17</a:t>
             </a:r>
           </a:p>
           <a:p>
             <a:pPr lvl="1"/>
             <a:r>
-              <a:rPr lang="en-US" altLang="zh-TW" dirty="0" smtClean="0"/>
-              <a:t>9.5</a:t>
-            </a:r>
-          </a:p>
-          <a:p>
-            <a:r>
-              <a:rPr lang="en-US" altLang="zh-TW" dirty="0" smtClean="0"/>
+              <a:rPr lang="en-US" altLang="zh-TW" dirty="0"/>
+              <a:t>6.19</a:t>
+            </a:r>
+          </a:p>
+          <a:p>
+            <a:r>
+              <a:rPr lang="en-US" altLang="zh-TW" dirty="0"/>
               <a:t>Due: 2 weeks (</a:t>
             </a:r>
             <a:r>
-              <a:rPr lang="en-US" altLang="zh-TW" dirty="0" smtClean="0">
+              <a:rPr lang="en-US" altLang="zh-TW" dirty="0">
                 <a:solidFill>
                   <a:srgbClr val="FF0000"/>
                 </a:solidFill>
               </a:rPr>
-              <a:t>Nov. 21, 2023</a:t>
-            </a:r>
-            <a:r>
-              <a:rPr lang="en-US" altLang="zh-TW" dirty="0" smtClean="0"/>
+              <a:t>Nov. 13, 2024</a:t>
+            </a:r>
+            <a:r>
+              <a:rPr lang="en-US" altLang="zh-TW" dirty="0"/>
               <a:t>)</a:t>
             </a:r>
             <a:endParaRPr lang="zh-TW" altLang="en-US" dirty="0"/>
@@ -3550,13 +3506,6 @@
   <p:clrMapOvr>
     <a:masterClrMapping/>
   </p:clrMapOvr>
-  <p:timing>
-    <p:tnLst>
-      <p:par>
-        <p:cTn id="1" dur="indefinite" restart="never" nodeType="tmRoot"/>
-      </p:par>
-    </p:tnLst>
-  </p:timing>
 </p:sld>
 </file>
 
@@ -3592,442 +3541,103 @@
           <a:bodyPr/>
           <a:lstStyle/>
           <a:p>
-            <a:endParaRPr lang="zh-TW" altLang="en-US"/>
-          </a:p>
-        </p:txBody>
-      </p:sp>
-      <mc:AlternateContent xmlns:mc="http://schemas.openxmlformats.org/markup-compatibility/2006" xmlns:a14="http://schemas.microsoft.com/office/drawing/2010/main">
-        <mc:Choice Requires="a14">
-          <p:sp>
-            <p:nvSpPr>
-              <p:cNvPr id="3" name="內容版面配置區 2"/>
-              <p:cNvSpPr>
-                <a:spLocks noGrp="1"/>
-              </p:cNvSpPr>
-              <p:nvPr>
-                <p:ph idx="1"/>
-              </p:nvPr>
-            </p:nvSpPr>
-            <p:spPr/>
-            <p:txBody>
-              <a:bodyPr>
-                <a:normAutofit fontScale="92500" lnSpcReduction="10000"/>
-              </a:bodyPr>
-              <a:lstStyle/>
-              <a:p>
-                <a:r>
-                  <a:rPr lang="en-US" altLang="zh-TW" dirty="0" smtClean="0"/>
-                  <a:t>8.11 The harmonic mean is one of several kinds of averages. Chapter 2 discussed how to compute the arithmetic mean, which is what most people typically think of when they compute an average. The harmonic mean, H, of the positive real numbers, x1,x2, …,</a:t>
-                </a:r>
-                <a:r>
-                  <a:rPr lang="en-US" altLang="zh-TW" dirty="0" err="1" smtClean="0"/>
-                  <a:t>xn</a:t>
-                </a:r>
-                <a:r>
-                  <a:rPr lang="en-US" altLang="zh-TW" dirty="0" smtClean="0"/>
-                  <a:t>, </a:t>
-                </a:r>
-                <a:r>
-                  <a:rPr lang="en-US" altLang="zh-TW" dirty="0"/>
-                  <a:t>is defined </a:t>
-                </a:r>
-                <a:r>
-                  <a:rPr lang="en-US" altLang="zh-TW" dirty="0" smtClean="0"/>
-                  <a:t>as:</a:t>
-                </a:r>
-              </a:p>
-              <a:p>
-                <a:pPr marL="0" indent="0">
-                  <a:buNone/>
-                </a:pPr>
-                <a:endParaRPr lang="en-US" altLang="zh-TW" b="0" i="1" dirty="0" smtClean="0">
-                  <a:latin typeface="Cambria Math" panose="02040503050406030204" pitchFamily="18" charset="0"/>
-                </a:endParaRPr>
-              </a:p>
-              <a:p>
-                <a:pPr marL="0" indent="0">
-                  <a:buNone/>
-                </a:pPr>
-                <a14:m>
-                  <m:oMathPara xmlns:m="http://schemas.openxmlformats.org/officeDocument/2006/math">
-                    <m:oMathParaPr>
-                      <m:jc m:val="centerGroup"/>
-                    </m:oMathParaPr>
-                    <m:oMath xmlns:m="http://schemas.openxmlformats.org/officeDocument/2006/math">
-                      <m:r>
-                        <a:rPr lang="en-US" altLang="zh-TW" b="0" i="1" smtClean="0">
-                          <a:latin typeface="Cambria Math" panose="02040503050406030204" pitchFamily="18" charset="0"/>
-                        </a:rPr>
-                        <m:t>𝐻</m:t>
-                      </m:r>
-                      <m:r>
-                        <a:rPr lang="en-US" altLang="zh-TW" b="0" i="1" smtClean="0">
-                          <a:latin typeface="Cambria Math" panose="02040503050406030204" pitchFamily="18" charset="0"/>
-                        </a:rPr>
-                        <m:t>=</m:t>
-                      </m:r>
-                      <m:f>
-                        <m:fPr>
-                          <m:ctrlPr>
-                            <a:rPr lang="en-US" altLang="zh-TW" b="0" i="1" smtClean="0">
-                              <a:latin typeface="Cambria Math" panose="02040503050406030204" pitchFamily="18" charset="0"/>
-                            </a:rPr>
-                          </m:ctrlPr>
-                        </m:fPr>
-                        <m:num>
-                          <m:r>
-                            <a:rPr lang="en-US" altLang="zh-TW" b="0" i="1" smtClean="0">
-                              <a:latin typeface="Cambria Math" panose="02040503050406030204" pitchFamily="18" charset="0"/>
-                            </a:rPr>
-                            <m:t>𝑛</m:t>
-                          </m:r>
-                        </m:num>
-                        <m:den>
-                          <m:f>
-                            <m:fPr>
-                              <m:ctrlPr>
-                                <a:rPr lang="en-US" altLang="zh-TW" b="0" i="1" smtClean="0">
-                                  <a:latin typeface="Cambria Math" panose="02040503050406030204" pitchFamily="18" charset="0"/>
-                                </a:rPr>
-                              </m:ctrlPr>
-                            </m:fPr>
-                            <m:num>
-                              <m:r>
-                                <a:rPr lang="en-US" altLang="zh-TW" b="0" i="1" smtClean="0">
-                                  <a:latin typeface="Cambria Math" panose="02040503050406030204" pitchFamily="18" charset="0"/>
-                                </a:rPr>
-                                <m:t>1</m:t>
-                              </m:r>
-                            </m:num>
-                            <m:den>
-                              <m:sSub>
-                                <m:sSubPr>
-                                  <m:ctrlPr>
-                                    <a:rPr lang="en-US" altLang="zh-TW" b="0" i="1" smtClean="0">
-                                      <a:latin typeface="Cambria Math" panose="02040503050406030204" pitchFamily="18" charset="0"/>
-                                    </a:rPr>
-                                  </m:ctrlPr>
-                                </m:sSubPr>
-                                <m:e>
-                                  <m:r>
-                                    <a:rPr lang="en-US" altLang="zh-TW" b="0" i="1" smtClean="0">
-                                      <a:latin typeface="Cambria Math" panose="02040503050406030204" pitchFamily="18" charset="0"/>
-                                    </a:rPr>
-                                    <m:t>𝑥</m:t>
-                                  </m:r>
-                                </m:e>
-                                <m:sub>
-                                  <m:r>
-                                    <a:rPr lang="en-US" altLang="zh-TW" b="0" i="1" smtClean="0">
-                                      <a:latin typeface="Cambria Math" panose="02040503050406030204" pitchFamily="18" charset="0"/>
-                                    </a:rPr>
-                                    <m:t>1</m:t>
-                                  </m:r>
-                                </m:sub>
-                              </m:sSub>
-                            </m:den>
-                          </m:f>
-                          <m:r>
-                            <a:rPr lang="en-US" altLang="zh-TW" b="0" i="1" smtClean="0">
-                              <a:latin typeface="Cambria Math" panose="02040503050406030204" pitchFamily="18" charset="0"/>
-                            </a:rPr>
-                            <m:t>+</m:t>
-                          </m:r>
-                          <m:f>
-                            <m:fPr>
-                              <m:ctrlPr>
-                                <a:rPr lang="en-US" altLang="zh-TW" b="0" i="1" smtClean="0">
-                                  <a:latin typeface="Cambria Math" panose="02040503050406030204" pitchFamily="18" charset="0"/>
-                                </a:rPr>
-                              </m:ctrlPr>
-                            </m:fPr>
-                            <m:num>
-                              <m:r>
-                                <a:rPr lang="en-US" altLang="zh-TW" b="0" i="1" smtClean="0">
-                                  <a:latin typeface="Cambria Math" panose="02040503050406030204" pitchFamily="18" charset="0"/>
-                                </a:rPr>
-                                <m:t>1</m:t>
-                              </m:r>
-                            </m:num>
-                            <m:den>
-                              <m:sSub>
-                                <m:sSubPr>
-                                  <m:ctrlPr>
-                                    <a:rPr lang="en-US" altLang="zh-TW" b="0" i="1" smtClean="0">
-                                      <a:latin typeface="Cambria Math" panose="02040503050406030204" pitchFamily="18" charset="0"/>
-                                    </a:rPr>
-                                  </m:ctrlPr>
-                                </m:sSubPr>
-                                <m:e>
-                                  <m:r>
-                                    <a:rPr lang="en-US" altLang="zh-TW" b="0" i="1" smtClean="0">
-                                      <a:latin typeface="Cambria Math" panose="02040503050406030204" pitchFamily="18" charset="0"/>
-                                    </a:rPr>
-                                    <m:t>𝑥</m:t>
-                                  </m:r>
-                                </m:e>
-                                <m:sub>
-                                  <m:r>
-                                    <a:rPr lang="en-US" altLang="zh-TW" b="0" i="1" smtClean="0">
-                                      <a:latin typeface="Cambria Math" panose="02040503050406030204" pitchFamily="18" charset="0"/>
-                                    </a:rPr>
-                                    <m:t>2</m:t>
-                                  </m:r>
-                                </m:sub>
-                              </m:sSub>
-                            </m:den>
-                          </m:f>
-                          <m:r>
-                            <a:rPr lang="en-US" altLang="zh-TW" b="0" i="1" smtClean="0">
-                              <a:latin typeface="Cambria Math" panose="02040503050406030204" pitchFamily="18" charset="0"/>
-                            </a:rPr>
-                            <m:t>+…+</m:t>
-                          </m:r>
-                          <m:f>
-                            <m:fPr>
-                              <m:ctrlPr>
-                                <a:rPr lang="en-US" altLang="zh-TW" b="0" i="1" smtClean="0">
-                                  <a:latin typeface="Cambria Math" panose="02040503050406030204" pitchFamily="18" charset="0"/>
-                                </a:rPr>
-                              </m:ctrlPr>
-                            </m:fPr>
-                            <m:num>
-                              <m:r>
-                                <a:rPr lang="en-US" altLang="zh-TW" b="0" i="1" smtClean="0">
-                                  <a:latin typeface="Cambria Math" panose="02040503050406030204" pitchFamily="18" charset="0"/>
-                                </a:rPr>
-                                <m:t>1</m:t>
-                              </m:r>
-                            </m:num>
-                            <m:den>
-                              <m:sSub>
-                                <m:sSubPr>
-                                  <m:ctrlPr>
-                                    <a:rPr lang="en-US" altLang="zh-TW" b="0" i="1" smtClean="0">
-                                      <a:latin typeface="Cambria Math" panose="02040503050406030204" pitchFamily="18" charset="0"/>
-                                    </a:rPr>
-                                  </m:ctrlPr>
-                                </m:sSubPr>
-                                <m:e>
-                                  <m:r>
-                                    <a:rPr lang="en-US" altLang="zh-TW" b="0" i="1" smtClean="0">
-                                      <a:latin typeface="Cambria Math" panose="02040503050406030204" pitchFamily="18" charset="0"/>
-                                    </a:rPr>
-                                    <m:t>𝑥</m:t>
-                                  </m:r>
-                                </m:e>
-                                <m:sub>
-                                  <m:r>
-                                    <a:rPr lang="en-US" altLang="zh-TW" b="0" i="1" smtClean="0">
-                                      <a:latin typeface="Cambria Math" panose="02040503050406030204" pitchFamily="18" charset="0"/>
-                                    </a:rPr>
-                                    <m:t>𝑛</m:t>
-                                  </m:r>
-                                </m:sub>
-                              </m:sSub>
-                            </m:den>
-                          </m:f>
-                        </m:den>
-                      </m:f>
-                      <m:r>
-                        <a:rPr lang="en-US" altLang="zh-TW" b="0" i="1" smtClean="0">
-                          <a:latin typeface="Cambria Math" panose="02040503050406030204" pitchFamily="18" charset="0"/>
-                        </a:rPr>
-                        <m:t>=</m:t>
-                      </m:r>
-                      <m:f>
-                        <m:fPr>
-                          <m:ctrlPr>
-                            <a:rPr lang="en-US" altLang="zh-TW" b="0" i="1" smtClean="0">
-                              <a:latin typeface="Cambria Math" panose="02040503050406030204" pitchFamily="18" charset="0"/>
-                            </a:rPr>
-                          </m:ctrlPr>
-                        </m:fPr>
-                        <m:num>
-                          <m:r>
-                            <a:rPr lang="en-US" altLang="zh-TW" b="0" i="1" smtClean="0">
-                              <a:latin typeface="Cambria Math" panose="02040503050406030204" pitchFamily="18" charset="0"/>
-                            </a:rPr>
-                            <m:t>𝑛</m:t>
-                          </m:r>
-                        </m:num>
-                        <m:den>
-                          <m:nary>
-                            <m:naryPr>
-                              <m:chr m:val="∑"/>
-                              <m:limLoc m:val="subSup"/>
-                              <m:ctrlPr>
-                                <a:rPr lang="en-US" altLang="zh-TW" b="0" i="1" smtClean="0">
-                                  <a:latin typeface="Cambria Math" panose="02040503050406030204" pitchFamily="18" charset="0"/>
-                                </a:rPr>
-                              </m:ctrlPr>
-                            </m:naryPr>
-                            <m:sub>
-                              <m:r>
-                                <m:rPr>
-                                  <m:brk m:alnAt="25"/>
-                                </m:rPr>
-                                <a:rPr lang="en-US" altLang="zh-TW" b="0" i="1" smtClean="0">
-                                  <a:latin typeface="Cambria Math" panose="02040503050406030204" pitchFamily="18" charset="0"/>
-                                </a:rPr>
-                                <m:t>𝑖</m:t>
-                              </m:r>
-                              <m:r>
-                                <a:rPr lang="en-US" altLang="zh-TW" b="0" i="1" smtClean="0">
-                                  <a:latin typeface="Cambria Math" panose="02040503050406030204" pitchFamily="18" charset="0"/>
-                                </a:rPr>
-                                <m:t>=1</m:t>
-                              </m:r>
-                            </m:sub>
-                            <m:sup>
-                              <m:r>
-                                <a:rPr lang="en-US" altLang="zh-TW" b="0" i="1" smtClean="0">
-                                  <a:latin typeface="Cambria Math" panose="02040503050406030204" pitchFamily="18" charset="0"/>
-                                </a:rPr>
-                                <m:t>𝑛</m:t>
-                              </m:r>
-                            </m:sup>
-                            <m:e>
-                              <m:f>
-                                <m:fPr>
-                                  <m:ctrlPr>
-                                    <a:rPr lang="en-US" altLang="zh-TW" b="0" i="1" smtClean="0">
-                                      <a:latin typeface="Cambria Math" panose="02040503050406030204" pitchFamily="18" charset="0"/>
-                                    </a:rPr>
-                                  </m:ctrlPr>
-                                </m:fPr>
-                                <m:num>
-                                  <m:r>
-                                    <a:rPr lang="en-US" altLang="zh-TW" b="0" i="1" smtClean="0">
-                                      <a:latin typeface="Cambria Math" panose="02040503050406030204" pitchFamily="18" charset="0"/>
-                                    </a:rPr>
-                                    <m:t>1</m:t>
-                                  </m:r>
-                                </m:num>
-                                <m:den>
-                                  <m:sSub>
-                                    <m:sSubPr>
-                                      <m:ctrlPr>
-                                        <a:rPr lang="en-US" altLang="zh-TW" b="0" i="1" smtClean="0">
-                                          <a:latin typeface="Cambria Math" panose="02040503050406030204" pitchFamily="18" charset="0"/>
-                                        </a:rPr>
-                                      </m:ctrlPr>
-                                    </m:sSubPr>
-                                    <m:e>
-                                      <m:r>
-                                        <a:rPr lang="en-US" altLang="zh-TW" b="0" i="1" smtClean="0">
-                                          <a:latin typeface="Cambria Math" panose="02040503050406030204" pitchFamily="18" charset="0"/>
-                                        </a:rPr>
-                                        <m:t>𝑥</m:t>
-                                      </m:r>
-                                    </m:e>
-                                    <m:sub>
-                                      <m:r>
-                                        <a:rPr lang="en-US" altLang="zh-TW" b="0" i="1" smtClean="0">
-                                          <a:latin typeface="Cambria Math" panose="02040503050406030204" pitchFamily="18" charset="0"/>
-                                        </a:rPr>
-                                        <m:t>𝑖</m:t>
-                                      </m:r>
-                                    </m:sub>
-                                  </m:sSub>
-                                </m:den>
-                              </m:f>
-                            </m:e>
-                          </m:nary>
-                        </m:den>
-                      </m:f>
-                    </m:oMath>
-                  </m:oMathPara>
-                </a14:m>
-                <a:endParaRPr lang="en-US" altLang="zh-TW" dirty="0" smtClean="0"/>
-              </a:p>
-              <a:p>
-                <a:endParaRPr lang="en-US" altLang="zh-TW" dirty="0" smtClean="0"/>
-              </a:p>
-              <a:p>
-                <a:r>
-                  <a:rPr lang="en-US" altLang="zh-TW" dirty="0"/>
-                  <a:t>The </a:t>
-                </a:r>
-                <a:r>
-                  <a:rPr lang="en-US" altLang="zh-TW" i="1" dirty="0"/>
-                  <a:t>F </a:t>
-                </a:r>
-                <a:r>
-                  <a:rPr lang="en-US" altLang="zh-TW" dirty="0"/>
-                  <a:t>measure is the harmonic mean of precision and recall. Use this fact to </a:t>
-                </a:r>
-                <a:r>
-                  <a:rPr lang="en-US" altLang="zh-TW" dirty="0" smtClean="0"/>
-                  <a:t>derive Eq</a:t>
-                </a:r>
-                <a:r>
-                  <a:rPr lang="en-US" altLang="zh-TW" dirty="0"/>
-                  <a:t>. (8.28) for </a:t>
-                </a:r>
-                <a:r>
-                  <a:rPr lang="en-US" altLang="zh-TW" i="1" dirty="0"/>
-                  <a:t>F</a:t>
-                </a:r>
-                <a:r>
-                  <a:rPr lang="en-US" altLang="zh-TW" dirty="0"/>
-                  <a:t>. In addition, write </a:t>
-                </a:r>
-                <a:r>
-                  <a:rPr lang="en-US" altLang="zh-TW" i="1" dirty="0"/>
-                  <a:t>F</a:t>
-                </a:r>
-                <a:r>
-                  <a:rPr lang="en-US" altLang="zh-TW" dirty="0"/>
-                  <a:t> as a function of true positives, false negatives, </a:t>
-                </a:r>
-                <a:r>
-                  <a:rPr lang="en-US" altLang="zh-TW" dirty="0" smtClean="0"/>
-                  <a:t>and false </a:t>
-                </a:r>
-                <a:r>
-                  <a:rPr lang="en-US" altLang="zh-TW" dirty="0"/>
-                  <a:t>positives.</a:t>
-                </a:r>
-                <a:endParaRPr lang="zh-TW" altLang="en-US" dirty="0"/>
-              </a:p>
-            </p:txBody>
-          </p:sp>
-        </mc:Choice>
-        <mc:Fallback xmlns="">
-          <p:sp>
-            <p:nvSpPr>
-              <p:cNvPr id="3" name="內容版面配置區 2"/>
-              <p:cNvSpPr>
-                <a:spLocks noGrp="1" noRot="1" noChangeAspect="1" noMove="1" noResize="1" noEditPoints="1" noAdjustHandles="1" noChangeArrowheads="1" noChangeShapeType="1" noTextEdit="1"/>
-              </p:cNvSpPr>
-              <p:nvPr>
-                <p:ph idx="1"/>
-              </p:nvPr>
-            </p:nvSpPr>
-            <p:spPr>
-              <a:blipFill>
-                <a:blip r:embed="rId2"/>
-                <a:stretch>
-                  <a:fillRect l="-928" t="-2801" r="-1043" b="-2381"/>
-                </a:stretch>
-              </a:blipFill>
-            </p:spPr>
-            <p:txBody>
-              <a:bodyPr/>
-              <a:lstStyle/>
-              <a:p>
-                <a:r>
-                  <a:rPr lang="zh-TW" altLang="en-US">
-                    <a:noFill/>
-                  </a:rPr>
-                  <a:t> </a:t>
-                </a:r>
-              </a:p>
-            </p:txBody>
-          </p:sp>
-        </mc:Fallback>
-      </mc:AlternateContent>
+            <a:r>
+              <a:rPr lang="en-US" altLang="zh-TW" dirty="0"/>
+              <a:t>Exercises for Chap.6</a:t>
+            </a:r>
+            <a:endParaRPr lang="zh-TW" altLang="en-US" dirty="0"/>
+          </a:p>
+        </p:txBody>
+      </p:sp>
+      <p:sp>
+        <p:nvSpPr>
+          <p:cNvPr id="3" name="內容版面配置區 2"/>
+          <p:cNvSpPr>
+            <a:spLocks noGrp="1"/>
+          </p:cNvSpPr>
+          <p:nvPr>
+            <p:ph idx="1"/>
+          </p:nvPr>
+        </p:nvSpPr>
+        <p:spPr/>
+        <p:txBody>
+          <a:bodyPr>
+            <a:normAutofit lnSpcReduction="10000"/>
+          </a:bodyPr>
+          <a:lstStyle/>
+          <a:p>
+            <a:r>
+              <a:rPr lang="en-US" altLang="zh-TW" dirty="0"/>
+              <a:t>6.6 Why is </a:t>
+            </a:r>
+            <a:r>
+              <a:rPr lang="en-US" altLang="zh-TW" i="1" dirty="0"/>
+              <a:t>naïve Bayesian classification </a:t>
+            </a:r>
+            <a:r>
+              <a:rPr lang="en-US" altLang="zh-TW" dirty="0"/>
+              <a:t>called “naïve”? Briefly outline the major ideas of naïve Bayesian classification.</a:t>
+            </a:r>
+          </a:p>
+          <a:p>
+            <a:endParaRPr lang="en-US" altLang="zh-TW" b="0" i="1" dirty="0">
+              <a:latin typeface="Cambria Math" panose="02040503050406030204" pitchFamily="18" charset="0"/>
+            </a:endParaRPr>
+          </a:p>
+          <a:p>
+            <a:r>
+              <a:rPr lang="en-US" altLang="zh-TW" dirty="0"/>
+              <a:t>6.8: Compare the advantages and disadvantages of </a:t>
+            </a:r>
+            <a:r>
+              <a:rPr lang="en-US" altLang="zh-TW" i="1" dirty="0"/>
+              <a:t>eager classification </a:t>
+            </a:r>
+            <a:r>
+              <a:rPr lang="en-US" altLang="zh-TW" dirty="0"/>
+              <a:t>(e.g., decision tree, Bayesian, neural network) versus </a:t>
+            </a:r>
+            <a:r>
+              <a:rPr lang="en-US" altLang="zh-TW" i="1" dirty="0"/>
+              <a:t>lazy classification </a:t>
+            </a:r>
+            <a:r>
+              <a:rPr lang="en-US" altLang="zh-TW" dirty="0"/>
+              <a:t>(e.g., </a:t>
+            </a:r>
+            <a:r>
+              <a:rPr lang="en-US" altLang="zh-TW" i="1" dirty="0"/>
+              <a:t>k</a:t>
+            </a:r>
+            <a:r>
+              <a:rPr lang="en-US" altLang="zh-TW" dirty="0"/>
+              <a:t>-nearest neighbor).</a:t>
+            </a:r>
+          </a:p>
+          <a:p>
+            <a:endParaRPr lang="en-US" altLang="zh-TW" dirty="0"/>
+          </a:p>
+          <a:p>
+            <a:r>
+              <a:rPr lang="en-US" altLang="zh-TW" dirty="0"/>
+              <a:t>6.9: Write an algorithm for </a:t>
+            </a:r>
+            <a:r>
+              <a:rPr lang="en-US" altLang="zh-TW" i="1" dirty="0"/>
+              <a:t>k-nearest-neighbor classification </a:t>
+            </a:r>
+            <a:r>
+              <a:rPr lang="en-US" altLang="zh-TW" dirty="0"/>
+              <a:t>given k, the nearest number of neighbors, and n, the number of attributes describing each tuple.</a:t>
+            </a:r>
+          </a:p>
+          <a:p>
+            <a:endParaRPr lang="en-US" altLang="zh-TW" b="0" i="1" dirty="0">
+              <a:latin typeface="Cambria Math" panose="02040503050406030204" pitchFamily="18" charset="0"/>
+            </a:endParaRPr>
+          </a:p>
+        </p:txBody>
+      </p:sp>
     </p:spTree>
     <p:extLst>
       <p:ext uri="{BB962C8B-B14F-4D97-AF65-F5344CB8AC3E}">
@@ -4073,63 +3683,70 @@
           <a:bodyPr/>
           <a:lstStyle/>
           <a:p>
+            <a:endParaRPr lang="zh-TW" altLang="en-US" dirty="0"/>
+          </a:p>
+        </p:txBody>
+      </p:sp>
+      <p:sp>
+        <p:nvSpPr>
+          <p:cNvPr id="3" name="內容版面配置區 2"/>
+          <p:cNvSpPr>
+            <a:spLocks noGrp="1"/>
+          </p:cNvSpPr>
+          <p:nvPr>
+            <p:ph idx="1"/>
+          </p:nvPr>
+        </p:nvSpPr>
+        <p:spPr/>
+        <p:txBody>
+          <a:bodyPr>
+            <a:normAutofit fontScale="92500" lnSpcReduction="20000"/>
+          </a:bodyPr>
+          <a:lstStyle/>
+          <a:p>
             <a:r>
               <a:rPr lang="en-US" altLang="zh-TW" dirty="0"/>
-              <a:t>Exercises for Chap.8</a:t>
-            </a:r>
-            <a:endParaRPr lang="zh-TW" altLang="en-US" dirty="0"/>
-          </a:p>
-        </p:txBody>
-      </p:sp>
-      <p:sp>
-        <p:nvSpPr>
-          <p:cNvPr id="3" name="內容版面配置區 2"/>
-          <p:cNvSpPr>
-            <a:spLocks noGrp="1"/>
-          </p:cNvSpPr>
-          <p:nvPr>
-            <p:ph idx="1"/>
-          </p:nvPr>
-        </p:nvSpPr>
-        <p:spPr/>
-        <p:txBody>
-          <a:bodyPr>
-            <a:normAutofit lnSpcReduction="10000"/>
-          </a:bodyPr>
-          <a:lstStyle/>
-          <a:p>
-            <a:r>
-              <a:rPr lang="en-US" altLang="zh-TW" dirty="0" smtClean="0"/>
-              <a:t>8.12: The data tuples of Fig. 8.25 are sorted by decreasing probability value, as returned by a classifier. For each tuple, compute the values for the number of true positives (TP), false positives (FP), true negatives (TN), and false negatives (FN). </a:t>
+              <a:t>6.17: The data tuples of Fig. 6.28 are sorted by decreasing probability value, as returned by a classifier. </a:t>
+            </a:r>
+          </a:p>
+          <a:p>
+            <a:r>
+              <a:rPr lang="en-US" altLang="zh-TW" dirty="0"/>
+              <a:t>For each tuple, compute the values for the number of true positives (TP), false positives (FP), true negatives (TN), and false negatives (FN). </a:t>
+            </a:r>
+          </a:p>
+          <a:p>
+            <a:r>
+              <a:rPr lang="en-US" altLang="zh-TW" dirty="0"/>
+              <a:t>Compute the true positive rate (TPR), and false positive rate (FPR). </a:t>
+            </a:r>
+          </a:p>
+          <a:p>
+            <a:r>
+              <a:rPr lang="en-US" altLang="zh-TW" dirty="0"/>
+              <a:t>Plot the ROC curve for the data.  </a:t>
             </a:r>
             <a:br>
-              <a:rPr lang="en-US" altLang="zh-TW" dirty="0" smtClean="0"/>
+              <a:rPr lang="en-US" altLang="zh-TW" dirty="0"/>
             </a:br>
-            <a:r>
-              <a:rPr lang="en-US" altLang="zh-TW" dirty="0" smtClean="0"/>
-              <a:t>Compute the true positive rate (TPR), and false positive rate (FPR). Plot the ROC curve for the data.  </a:t>
-            </a:r>
-            <a:br>
-              <a:rPr lang="en-US" altLang="zh-TW" dirty="0" smtClean="0"/>
-            </a:br>
-            <a:endParaRPr lang="en-US" altLang="zh-TW" dirty="0" smtClean="0"/>
+            <a:endParaRPr lang="en-US" altLang="zh-TW" dirty="0"/>
           </a:p>
           <a:p>
             <a:pPr marL="0" indent="0">
               <a:buNone/>
             </a:pPr>
             <a:r>
-              <a:rPr lang="en-US" altLang="zh-TW" dirty="0" smtClean="0">
+              <a:rPr lang="en-US" altLang="zh-TW" dirty="0">
                 <a:solidFill>
                   <a:schemeClr val="bg1">
                     <a:lumMod val="65000"/>
                   </a:schemeClr>
                 </a:solidFill>
               </a:rPr>
-              <a:t>[Hint: You should set a number of thresholds t for classifying the probability values</a:t>
-            </a:r>
-            <a:r>
-              <a:rPr lang="zh-TW" altLang="en-US" dirty="0" smtClean="0">
+              <a:t>[Hint: To plot the ROC curve, you should calculate the above values in different configurations by setting different thresholds t for classifying the probability values</a:t>
+            </a:r>
+            <a:r>
+              <a:rPr lang="zh-TW" altLang="en-US" dirty="0">
                 <a:solidFill>
                   <a:schemeClr val="bg1">
                     <a:lumMod val="65000"/>
@@ -4139,16 +3756,6 @@
               <a:t> </a:t>
             </a:r>
             <a:r>
-              <a:rPr lang="en-US" altLang="zh-TW" dirty="0" smtClean="0">
-                <a:solidFill>
-                  <a:schemeClr val="bg1">
-                    <a:lumMod val="65000"/>
-                  </a:schemeClr>
-                </a:solidFill>
-              </a:rPr>
-              <a:t>p into positive (when p&gt;=t) or negative classes (when p&lt;t) to plot the ROC curve. </a:t>
-            </a:r>
-            <a:r>
               <a:rPr lang="en-US" altLang="zh-TW" dirty="0">
                 <a:solidFill>
                   <a:schemeClr val="bg1">
@@ -4156,34 +3763,19 @@
                   </a:schemeClr>
                 </a:solidFill>
               </a:rPr>
-              <a:t>(for example, t=0, 0.1, 0.2, …, 0.9)]</a:t>
-            </a:r>
-            <a:endParaRPr lang="en-US" altLang="zh-TW" dirty="0" smtClean="0">
-              <a:solidFill>
-                <a:schemeClr val="bg1">
-                  <a:lumMod val="65000"/>
-                </a:schemeClr>
-              </a:solidFill>
-            </a:endParaRPr>
+              <a:t>p into positive (when p&gt;=t) or negative classes (when p&lt;t). (for example, t=0, 0.1, 0.2, …, 0.9)]</a:t>
+            </a:r>
           </a:p>
           <a:p>
             <a:pPr marL="457200" lvl="1" indent="0">
               <a:buNone/>
             </a:pPr>
-            <a:r>
-              <a:rPr lang="en-US" altLang="zh-TW" dirty="0"/>
-              <a:t/>
-            </a:r>
             <a:br>
               <a:rPr lang="en-US" altLang="zh-TW" dirty="0"/>
             </a:br>
             <a:r>
-              <a:rPr lang="en-US" altLang="zh-TW" dirty="0" smtClean="0"/>
-              <a:t>[… </a:t>
-            </a:r>
-            <a:r>
               <a:rPr lang="en-US" altLang="zh-TW" dirty="0"/>
-              <a:t>to be continued]</a:t>
+              <a:t>[… to be continued]</a:t>
             </a:r>
             <a:endParaRPr lang="zh-TW" altLang="en-US" dirty="0"/>
           </a:p>
@@ -4199,13 +3791,6 @@
   <p:clrMapOvr>
     <a:masterClrMapping/>
   </p:clrMapOvr>
-  <p:timing>
-    <p:tnLst>
-      <p:par>
-        <p:cTn id="1" dur="indefinite" restart="never" nodeType="tmRoot"/>
-      </p:par>
-    </p:tnLst>
-  </p:timing>
 </p:sld>
 </file>
 
@@ -4245,7 +3830,7 @@
           <a:p>
             <a:r>
               <a:rPr lang="en-US" altLang="zh-TW" b="1" dirty="0"/>
-              <a:t>Figure 8.25 </a:t>
+              <a:t>Figure 6.28 </a:t>
             </a:r>
             <a:r>
               <a:rPr lang="en-US" altLang="zh-TW" dirty="0"/>
@@ -4256,11 +3841,7 @@
             </a:br>
             <a:r>
               <a:rPr lang="en-US" altLang="zh-TW" dirty="0"/>
-              <a:t>probabilistic </a:t>
-            </a:r>
-            <a:r>
-              <a:rPr lang="en-US" altLang="zh-TW" dirty="0" smtClean="0"/>
-              <a:t>classifier</a:t>
+              <a:t>probabilistic classifier</a:t>
             </a:r>
             <a:endParaRPr lang="zh-TW" altLang="en-US" dirty="0"/>
           </a:p>
@@ -4276,14 +3857,14 @@
             <p:ph idx="1"/>
             <p:extLst>
               <p:ext uri="{D42A27DB-BD31-4B8C-83A1-F6EECF244321}">
-                <p14:modId xmlns:p14="http://schemas.microsoft.com/office/powerpoint/2010/main" val="3941031169"/>
+                <p14:modId xmlns:p14="http://schemas.microsoft.com/office/powerpoint/2010/main" val="109586444"/>
               </p:ext>
             </p:extLst>
           </p:nvPr>
         </p:nvGraphicFramePr>
         <p:xfrm>
-          <a:off x="838200" y="1825625"/>
-          <a:ext cx="10515600" cy="4079240"/>
+          <a:off x="2404153" y="1825625"/>
+          <a:ext cx="6462445" cy="4079240"/>
         </p:xfrm>
         <a:graphic>
           <a:graphicData uri="http://schemas.openxmlformats.org/drawingml/2006/table">
@@ -4292,21 +3873,21 @@
                 <a:tableStyleId>{5C22544A-7EE6-4342-B048-85BDC9FD1C3A}</a:tableStyleId>
               </a:tblPr>
               <a:tblGrid>
-                <a:gridCol w="3505200">
+                <a:gridCol w="1939247">
                   <a:extLst>
                     <a:ext uri="{9D8B030D-6E8A-4147-A177-3AD203B41FA5}">
                       <a16:colId xmlns:a16="http://schemas.microsoft.com/office/drawing/2014/main" val="20000"/>
                     </a:ext>
                   </a:extLst>
                 </a:gridCol>
-                <a:gridCol w="3505200">
+                <a:gridCol w="2047126">
                   <a:extLst>
                     <a:ext uri="{9D8B030D-6E8A-4147-A177-3AD203B41FA5}">
                       <a16:colId xmlns:a16="http://schemas.microsoft.com/office/drawing/2014/main" val="20001"/>
                     </a:ext>
                   </a:extLst>
                 </a:gridCol>
-                <a:gridCol w="3505200">
+                <a:gridCol w="2476072">
                   <a:extLst>
                     <a:ext uri="{9D8B030D-6E8A-4147-A177-3AD203B41FA5}">
                       <a16:colId xmlns:a16="http://schemas.microsoft.com/office/drawing/2014/main" val="20002"/>
@@ -4320,8 +3901,9 @@
                     <a:bodyPr/>
                     <a:lstStyle/>
                     <a:p>
+                      <a:pPr algn="ctr"/>
                       <a:r>
-                        <a:rPr lang="en-US" altLang="zh-TW" dirty="0" smtClean="0"/>
+                        <a:rPr lang="en-US" altLang="zh-TW" dirty="0"/>
                         <a:t>Tuple #</a:t>
                       </a:r>
                       <a:endParaRPr lang="zh-TW" altLang="en-US" dirty="0"/>
@@ -4334,8 +3916,9 @@
                     <a:bodyPr/>
                     <a:lstStyle/>
                     <a:p>
+                      <a:pPr algn="ctr"/>
                       <a:r>
-                        <a:rPr lang="en-US" altLang="zh-TW" dirty="0" smtClean="0"/>
+                        <a:rPr lang="en-US" altLang="zh-TW" dirty="0"/>
                         <a:t>Class</a:t>
                       </a:r>
                       <a:endParaRPr lang="zh-TW" altLang="en-US" dirty="0"/>
@@ -4348,8 +3931,9 @@
                     <a:bodyPr/>
                     <a:lstStyle/>
                     <a:p>
+                      <a:pPr algn="ctr"/>
                       <a:r>
-                        <a:rPr lang="en-US" altLang="zh-TW" dirty="0" smtClean="0"/>
+                        <a:rPr lang="en-US" altLang="zh-TW" dirty="0"/>
                         <a:t>Probability</a:t>
                       </a:r>
                       <a:endParaRPr lang="zh-TW" altLang="en-US" dirty="0"/>
@@ -4369,8 +3953,9 @@
                     <a:bodyPr/>
                     <a:lstStyle/>
                     <a:p>
+                      <a:pPr algn="ctr"/>
                       <a:r>
-                        <a:rPr lang="en-US" altLang="zh-TW" dirty="0" smtClean="0"/>
+                        <a:rPr lang="en-US" altLang="zh-TW" dirty="0"/>
                         <a:t>1</a:t>
                       </a:r>
                       <a:endParaRPr lang="zh-TW" altLang="en-US" dirty="0"/>
@@ -4383,8 +3968,9 @@
                     <a:bodyPr/>
                     <a:lstStyle/>
                     <a:p>
+                      <a:pPr algn="ctr"/>
                       <a:r>
-                        <a:rPr lang="en-US" altLang="zh-TW" dirty="0" smtClean="0"/>
+                        <a:rPr lang="en-US" altLang="zh-TW" dirty="0"/>
                         <a:t>P</a:t>
                       </a:r>
                       <a:endParaRPr lang="zh-TW" altLang="en-US" dirty="0"/>
@@ -4397,8 +3983,9 @@
                     <a:bodyPr/>
                     <a:lstStyle/>
                     <a:p>
+                      <a:pPr algn="ctr"/>
                       <a:r>
-                        <a:rPr lang="en-US" altLang="zh-TW" dirty="0" smtClean="0"/>
+                        <a:rPr lang="en-US" altLang="zh-TW" dirty="0"/>
                         <a:t>0.95</a:t>
                       </a:r>
                       <a:endParaRPr lang="zh-TW" altLang="en-US" dirty="0"/>
@@ -4418,8 +4005,9 @@
                     <a:bodyPr/>
                     <a:lstStyle/>
                     <a:p>
+                      <a:pPr algn="ctr"/>
                       <a:r>
-                        <a:rPr lang="en-US" altLang="zh-TW" dirty="0" smtClean="0"/>
+                        <a:rPr lang="en-US" altLang="zh-TW" dirty="0"/>
                         <a:t>2</a:t>
                       </a:r>
                       <a:endParaRPr lang="zh-TW" altLang="en-US" dirty="0"/>
@@ -4432,8 +4020,9 @@
                     <a:bodyPr/>
                     <a:lstStyle/>
                     <a:p>
+                      <a:pPr algn="ctr"/>
                       <a:r>
-                        <a:rPr lang="en-US" altLang="zh-TW" dirty="0" smtClean="0"/>
+                        <a:rPr lang="en-US" altLang="zh-TW" dirty="0"/>
                         <a:t>N</a:t>
                       </a:r>
                       <a:endParaRPr lang="zh-TW" altLang="en-US" dirty="0"/>
@@ -4446,8 +4035,9 @@
                     <a:bodyPr/>
                     <a:lstStyle/>
                     <a:p>
+                      <a:pPr algn="ctr"/>
                       <a:r>
-                        <a:rPr lang="en-US" altLang="zh-TW" dirty="0" smtClean="0"/>
+                        <a:rPr lang="en-US" altLang="zh-TW" dirty="0"/>
                         <a:t>0.85</a:t>
                       </a:r>
                       <a:endParaRPr lang="zh-TW" altLang="en-US" dirty="0"/>
@@ -4467,8 +4057,9 @@
                     <a:bodyPr/>
                     <a:lstStyle/>
                     <a:p>
+                      <a:pPr algn="ctr"/>
                       <a:r>
-                        <a:rPr lang="en-US" altLang="zh-TW" dirty="0" smtClean="0"/>
+                        <a:rPr lang="en-US" altLang="zh-TW" dirty="0"/>
                         <a:t>3</a:t>
                       </a:r>
                       <a:endParaRPr lang="zh-TW" altLang="en-US" dirty="0"/>
@@ -4481,8 +4072,9 @@
                     <a:bodyPr/>
                     <a:lstStyle/>
                     <a:p>
+                      <a:pPr algn="ctr"/>
                       <a:r>
-                        <a:rPr lang="en-US" altLang="zh-TW" dirty="0" smtClean="0"/>
+                        <a:rPr lang="en-US" altLang="zh-TW" dirty="0"/>
                         <a:t>P</a:t>
                       </a:r>
                       <a:endParaRPr lang="zh-TW" altLang="en-US" dirty="0"/>
@@ -4495,8 +4087,9 @@
                     <a:bodyPr/>
                     <a:lstStyle/>
                     <a:p>
+                      <a:pPr algn="ctr"/>
                       <a:r>
-                        <a:rPr lang="en-US" altLang="zh-TW" dirty="0" smtClean="0"/>
+                        <a:rPr lang="en-US" altLang="zh-TW" dirty="0"/>
                         <a:t>0.78</a:t>
                       </a:r>
                       <a:endParaRPr lang="zh-TW" altLang="en-US" dirty="0"/>
@@ -4516,8 +4109,9 @@
                     <a:bodyPr/>
                     <a:lstStyle/>
                     <a:p>
+                      <a:pPr algn="ctr"/>
                       <a:r>
-                        <a:rPr lang="en-US" altLang="zh-TW" dirty="0" smtClean="0"/>
+                        <a:rPr lang="en-US" altLang="zh-TW" dirty="0"/>
                         <a:t>4</a:t>
                       </a:r>
                       <a:endParaRPr lang="zh-TW" altLang="en-US" dirty="0"/>
@@ -4530,8 +4124,9 @@
                     <a:bodyPr/>
                     <a:lstStyle/>
                     <a:p>
+                      <a:pPr algn="ctr"/>
                       <a:r>
-                        <a:rPr lang="en-US" altLang="zh-TW" dirty="0" smtClean="0"/>
+                        <a:rPr lang="en-US" altLang="zh-TW" dirty="0"/>
                         <a:t>P</a:t>
                       </a:r>
                       <a:endParaRPr lang="zh-TW" altLang="en-US" dirty="0"/>
@@ -4544,8 +4139,9 @@
                     <a:bodyPr/>
                     <a:lstStyle/>
                     <a:p>
+                      <a:pPr algn="ctr"/>
                       <a:r>
-                        <a:rPr lang="en-US" altLang="zh-TW" dirty="0" smtClean="0"/>
+                        <a:rPr lang="en-US" altLang="zh-TW" dirty="0"/>
                         <a:t>0.66</a:t>
                       </a:r>
                       <a:endParaRPr lang="zh-TW" altLang="en-US" dirty="0"/>
@@ -4565,8 +4161,9 @@
                     <a:bodyPr/>
                     <a:lstStyle/>
                     <a:p>
+                      <a:pPr algn="ctr"/>
                       <a:r>
-                        <a:rPr lang="en-US" altLang="zh-TW" dirty="0" smtClean="0"/>
+                        <a:rPr lang="en-US" altLang="zh-TW" dirty="0"/>
                         <a:t>5</a:t>
                       </a:r>
                       <a:endParaRPr lang="zh-TW" altLang="en-US" dirty="0"/>
@@ -4579,8 +4176,9 @@
                     <a:bodyPr/>
                     <a:lstStyle/>
                     <a:p>
+                      <a:pPr algn="ctr"/>
                       <a:r>
-                        <a:rPr lang="en-US" altLang="zh-TW" dirty="0" smtClean="0"/>
+                        <a:rPr lang="en-US" altLang="zh-TW" dirty="0"/>
                         <a:t>N</a:t>
                       </a:r>
                       <a:endParaRPr lang="zh-TW" altLang="en-US" dirty="0"/>
@@ -4593,8 +4191,9 @@
                     <a:bodyPr/>
                     <a:lstStyle/>
                     <a:p>
+                      <a:pPr algn="ctr"/>
                       <a:r>
-                        <a:rPr lang="en-US" altLang="zh-TW" dirty="0" smtClean="0"/>
+                        <a:rPr lang="en-US" altLang="zh-TW" dirty="0"/>
                         <a:t>0.60</a:t>
                       </a:r>
                       <a:endParaRPr lang="zh-TW" altLang="en-US" dirty="0"/>
@@ -4614,8 +4213,9 @@
                     <a:bodyPr/>
                     <a:lstStyle/>
                     <a:p>
+                      <a:pPr algn="ctr"/>
                       <a:r>
-                        <a:rPr lang="en-US" altLang="zh-TW" dirty="0" smtClean="0"/>
+                        <a:rPr lang="en-US" altLang="zh-TW" dirty="0"/>
                         <a:t>6</a:t>
                       </a:r>
                       <a:endParaRPr lang="zh-TW" altLang="en-US" dirty="0"/>
@@ -4628,8 +4228,9 @@
                     <a:bodyPr/>
                     <a:lstStyle/>
                     <a:p>
+                      <a:pPr algn="ctr"/>
                       <a:r>
-                        <a:rPr lang="en-US" altLang="zh-TW" dirty="0" smtClean="0"/>
+                        <a:rPr lang="en-US" altLang="zh-TW" dirty="0"/>
                         <a:t>P</a:t>
                       </a:r>
                       <a:endParaRPr lang="zh-TW" altLang="en-US" dirty="0"/>
@@ -4642,8 +4243,9 @@
                     <a:bodyPr/>
                     <a:lstStyle/>
                     <a:p>
+                      <a:pPr algn="ctr"/>
                       <a:r>
-                        <a:rPr lang="en-US" altLang="zh-TW" dirty="0" smtClean="0"/>
+                        <a:rPr lang="en-US" altLang="zh-TW" dirty="0"/>
                         <a:t>0.55</a:t>
                       </a:r>
                       <a:endParaRPr lang="zh-TW" altLang="en-US" dirty="0"/>
@@ -4663,8 +4265,9 @@
                     <a:bodyPr/>
                     <a:lstStyle/>
                     <a:p>
+                      <a:pPr algn="ctr"/>
                       <a:r>
-                        <a:rPr lang="en-US" altLang="zh-TW" dirty="0" smtClean="0"/>
+                        <a:rPr lang="en-US" altLang="zh-TW" dirty="0"/>
                         <a:t>7</a:t>
                       </a:r>
                       <a:endParaRPr lang="zh-TW" altLang="en-US" dirty="0"/>
@@ -4677,8 +4280,9 @@
                     <a:bodyPr/>
                     <a:lstStyle/>
                     <a:p>
+                      <a:pPr algn="ctr"/>
                       <a:r>
-                        <a:rPr lang="en-US" altLang="zh-TW" dirty="0" smtClean="0"/>
+                        <a:rPr lang="en-US" altLang="zh-TW" dirty="0"/>
                         <a:t>N</a:t>
                       </a:r>
                       <a:endParaRPr lang="zh-TW" altLang="en-US" dirty="0"/>
@@ -4691,8 +4295,9 @@
                     <a:bodyPr/>
                     <a:lstStyle/>
                     <a:p>
+                      <a:pPr algn="ctr"/>
                       <a:r>
-                        <a:rPr lang="en-US" altLang="zh-TW" dirty="0" smtClean="0"/>
+                        <a:rPr lang="en-US" altLang="zh-TW" dirty="0"/>
                         <a:t>0.53</a:t>
                       </a:r>
                       <a:endParaRPr lang="zh-TW" altLang="en-US" dirty="0"/>
@@ -4712,8 +4317,9 @@
                     <a:bodyPr/>
                     <a:lstStyle/>
                     <a:p>
+                      <a:pPr algn="ctr"/>
                       <a:r>
-                        <a:rPr lang="en-US" altLang="zh-TW" dirty="0" smtClean="0"/>
+                        <a:rPr lang="en-US" altLang="zh-TW" dirty="0"/>
                         <a:t>8</a:t>
                       </a:r>
                       <a:endParaRPr lang="zh-TW" altLang="en-US" dirty="0"/>
@@ -4726,8 +4332,9 @@
                     <a:bodyPr/>
                     <a:lstStyle/>
                     <a:p>
+                      <a:pPr algn="ctr"/>
                       <a:r>
-                        <a:rPr lang="en-US" altLang="zh-TW" dirty="0" smtClean="0"/>
+                        <a:rPr lang="en-US" altLang="zh-TW" dirty="0"/>
                         <a:t>N</a:t>
                       </a:r>
                       <a:endParaRPr lang="zh-TW" altLang="en-US" dirty="0"/>
@@ -4740,8 +4347,9 @@
                     <a:bodyPr/>
                     <a:lstStyle/>
                     <a:p>
+                      <a:pPr algn="ctr"/>
                       <a:r>
-                        <a:rPr lang="en-US" altLang="zh-TW" dirty="0" smtClean="0"/>
+                        <a:rPr lang="en-US" altLang="zh-TW" dirty="0"/>
                         <a:t>0.52</a:t>
                       </a:r>
                       <a:endParaRPr lang="zh-TW" altLang="en-US" dirty="0"/>
@@ -4761,8 +4369,9 @@
                     <a:bodyPr/>
                     <a:lstStyle/>
                     <a:p>
+                      <a:pPr algn="ctr"/>
                       <a:r>
-                        <a:rPr lang="en-US" altLang="zh-TW" dirty="0" smtClean="0"/>
+                        <a:rPr lang="en-US" altLang="zh-TW" dirty="0"/>
                         <a:t>9</a:t>
                       </a:r>
                       <a:endParaRPr lang="zh-TW" altLang="en-US" dirty="0"/>
@@ -4775,8 +4384,9 @@
                     <a:bodyPr/>
                     <a:lstStyle/>
                     <a:p>
+                      <a:pPr algn="ctr"/>
                       <a:r>
-                        <a:rPr lang="en-US" altLang="zh-TW" dirty="0" smtClean="0"/>
+                        <a:rPr lang="en-US" altLang="zh-TW" dirty="0"/>
                         <a:t>N</a:t>
                       </a:r>
                       <a:endParaRPr lang="zh-TW" altLang="en-US" dirty="0"/>
@@ -4789,8 +4399,9 @@
                     <a:bodyPr/>
                     <a:lstStyle/>
                     <a:p>
+                      <a:pPr algn="ctr"/>
                       <a:r>
-                        <a:rPr lang="en-US" altLang="zh-TW" dirty="0" smtClean="0"/>
+                        <a:rPr lang="en-US" altLang="zh-TW" dirty="0"/>
                         <a:t>0.51</a:t>
                       </a:r>
                       <a:endParaRPr lang="zh-TW" altLang="en-US" dirty="0"/>
@@ -4810,8 +4421,9 @@
                     <a:bodyPr/>
                     <a:lstStyle/>
                     <a:p>
+                      <a:pPr algn="ctr"/>
                       <a:r>
-                        <a:rPr lang="en-US" altLang="zh-TW" dirty="0" smtClean="0"/>
+                        <a:rPr lang="en-US" altLang="zh-TW" dirty="0"/>
                         <a:t>10</a:t>
                       </a:r>
                       <a:endParaRPr lang="zh-TW" altLang="en-US" dirty="0"/>
@@ -4824,8 +4436,9 @@
                     <a:bodyPr/>
                     <a:lstStyle/>
                     <a:p>
+                      <a:pPr algn="ctr"/>
                       <a:r>
-                        <a:rPr lang="en-US" altLang="zh-TW" dirty="0" smtClean="0"/>
+                        <a:rPr lang="en-US" altLang="zh-TW" dirty="0"/>
                         <a:t>P</a:t>
                       </a:r>
                       <a:endParaRPr lang="zh-TW" altLang="en-US" dirty="0"/>
@@ -4838,8 +4451,9 @@
                     <a:bodyPr/>
                     <a:lstStyle/>
                     <a:p>
+                      <a:pPr algn="ctr"/>
                       <a:r>
-                        <a:rPr lang="en-US" altLang="zh-TW" dirty="0" smtClean="0"/>
+                        <a:rPr lang="en-US" altLang="zh-TW" dirty="0"/>
                         <a:t>0.40</a:t>
                       </a:r>
                       <a:endParaRPr lang="zh-TW" altLang="en-US" dirty="0"/>
@@ -4867,13 +4481,6 @@
   <p:clrMapOvr>
     <a:masterClrMapping/>
   </p:clrMapOvr>
-  <p:timing>
-    <p:tnLst>
-      <p:par>
-        <p:cTn id="1" dur="indefinite" restart="never" nodeType="tmRoot"/>
-      </p:par>
-    </p:tnLst>
-  </p:timing>
 </p:sld>
 </file>
 
@@ -4926,61 +4533,37 @@
         <p:spPr/>
         <p:txBody>
           <a:bodyPr>
-            <a:normAutofit/>
+            <a:normAutofit fontScale="92500"/>
           </a:bodyPr>
           <a:lstStyle/>
           <a:p>
             <a:r>
-              <a:rPr lang="en-US" altLang="zh-TW" dirty="0" smtClean="0"/>
-              <a:t>8.16: </a:t>
-            </a:r>
-            <a:r>
               <a:rPr lang="en-US" altLang="zh-TW" dirty="0"/>
-              <a:t>Outline methods for addressing the </a:t>
-            </a:r>
-            <a:r>
-              <a:rPr lang="en-US" altLang="zh-TW" i="1" dirty="0"/>
-              <a:t>class imbalance problem</a:t>
-            </a:r>
+              <a:t>6.19: Suppose that we want to select between two prediction models, M1 and M2. </a:t>
+            </a:r>
+          </a:p>
+          <a:p>
             <a:r>
               <a:rPr lang="en-US" altLang="zh-TW" dirty="0"/>
-              <a:t>. Suppose a bank wants </a:t>
-            </a:r>
-            <a:r>
-              <a:rPr lang="en-US" altLang="zh-TW" dirty="0" smtClean="0"/>
-              <a:t>to develop </a:t>
-            </a:r>
+              <a:t>We have performed 10 rounds of 10-fold cross-validation on each model, where the same data partitioning in round I is used for bothM1 andM2.</a:t>
+            </a:r>
+          </a:p>
+          <a:p>
             <a:r>
               <a:rPr lang="en-US" altLang="zh-TW" dirty="0"/>
-              <a:t>a classifier that guards against fraudulent credit card transactions. Illustrate </a:t>
-            </a:r>
-            <a:r>
-              <a:rPr lang="en-US" altLang="zh-TW" dirty="0" smtClean="0"/>
-              <a:t>how you </a:t>
-            </a:r>
+              <a:t>The error rates obtained for M1 are 30.5, 32.2, 20.7, 20.6, 31.0, 41.0, 27.7, 26.0, 21.5, 26.0. </a:t>
+            </a:r>
+          </a:p>
+          <a:p>
             <a:r>
               <a:rPr lang="en-US" altLang="zh-TW" dirty="0"/>
-              <a:t>can induce a quality classifier based on a large set of </a:t>
-            </a:r>
-            <a:r>
-              <a:rPr lang="en-US" altLang="zh-TW" dirty="0" err="1"/>
-              <a:t>nonfraudulent</a:t>
-            </a:r>
+              <a:t>The error rates for M2 are 22.4, 14.5, 22.4, 19.6, 20.7, 20.4, 22.1, 19.4, 16.2, 35.0.</a:t>
+            </a:r>
+          </a:p>
+          <a:p>
             <a:r>
               <a:rPr lang="en-US" altLang="zh-TW" dirty="0"/>
-              <a:t> examples and </a:t>
-            </a:r>
-            <a:r>
-              <a:rPr lang="en-US" altLang="zh-TW" dirty="0" smtClean="0"/>
-              <a:t>a very </a:t>
-            </a:r>
-            <a:r>
-              <a:rPr lang="en-US" altLang="zh-TW" dirty="0"/>
-              <a:t>small set of fraudulent cases</a:t>
-            </a:r>
-            <a:r>
-              <a:rPr lang="en-US" altLang="zh-TW" dirty="0" smtClean="0"/>
-              <a:t>. </a:t>
+              <a:t>Comment on whether one model is significantly better than the other considering a significance level of 1%.</a:t>
             </a:r>
           </a:p>
         </p:txBody>
@@ -5031,8 +4614,8 @@
           <a:lstStyle/>
           <a:p>
             <a:r>
-              <a:rPr lang="en-US" altLang="zh-TW" dirty="0" smtClean="0"/>
-              <a:t>Exercises for Chap.9</a:t>
+              <a:rPr lang="en-US" altLang="zh-TW" dirty="0"/>
+              <a:t>Homework Submission</a:t>
             </a:r>
             <a:endParaRPr lang="zh-TW" altLang="en-US" dirty="0"/>
           </a:p>
@@ -5054,66 +4637,80 @@
           <a:lstStyle/>
           <a:p>
             <a:r>
-              <a:rPr lang="en-US" altLang="zh-TW" dirty="0" smtClean="0"/>
-              <a:t>9.4: </a:t>
-            </a:r>
-            <a:r>
               <a:rPr lang="en-US" altLang="zh-TW" dirty="0"/>
-              <a:t>Compare the advantages and disadvantages of </a:t>
-            </a:r>
-            <a:r>
-              <a:rPr lang="en-US" altLang="zh-TW" i="1" dirty="0"/>
-              <a:t>eager classification </a:t>
-            </a:r>
+              <a:t>For hand-written exercises, please hand in your homework in class (paper version)</a:t>
+            </a:r>
+          </a:p>
+          <a:p>
+            <a:pPr lvl="1"/>
             <a:r>
               <a:rPr lang="en-US" altLang="zh-TW" dirty="0"/>
-              <a:t>(e.g., decision </a:t>
-            </a:r>
-            <a:r>
-              <a:rPr lang="en-US" altLang="zh-TW" dirty="0" smtClean="0"/>
-              <a:t>tree, Bayesian</a:t>
-            </a:r>
+              <a:t>Remember to write your student ID</a:t>
+            </a:r>
+          </a:p>
+          <a:p>
+            <a:pPr lvl="1"/>
+            <a:endParaRPr lang="en-US" altLang="zh-TW" dirty="0"/>
+          </a:p>
+          <a:p>
             <a:r>
               <a:rPr lang="en-US" altLang="zh-TW" dirty="0"/>
-              <a:t>, neural network) versus </a:t>
-            </a:r>
-            <a:r>
-              <a:rPr lang="en-US" altLang="zh-TW" i="1" dirty="0"/>
-              <a:t>lazy classification </a:t>
+              <a:t>For programming projects, please submit a compressed file to </a:t>
+            </a:r>
+            <a:r>
+              <a:rPr lang="en-US" altLang="zh-TW" dirty="0" err="1"/>
+              <a:t>iSchool</a:t>
             </a:r>
             <a:r>
               <a:rPr lang="en-US" altLang="zh-TW" dirty="0"/>
-              <a:t>(e.g., </a:t>
-            </a:r>
-            <a:r>
-              <a:rPr lang="en-US" altLang="zh-TW" i="1" dirty="0"/>
-              <a:t>k</a:t>
-            </a:r>
+              <a:t>+</a:t>
+            </a:r>
+          </a:p>
+          <a:p>
+            <a:pPr lvl="1"/>
             <a:r>
               <a:rPr lang="en-US" altLang="zh-TW" dirty="0"/>
-              <a:t>-nearest </a:t>
-            </a:r>
-            <a:r>
-              <a:rPr lang="en-US" altLang="zh-TW" dirty="0" smtClean="0"/>
-              <a:t>neighbor).</a:t>
-            </a:r>
-            <a:endParaRPr lang="en-US" altLang="zh-TW" dirty="0"/>
-          </a:p>
-          <a:p>
-            <a:r>
-              <a:rPr lang="en-US" altLang="zh-TW" dirty="0" smtClean="0"/>
-              <a:t>9.5: Write an algorithm for </a:t>
-            </a:r>
-            <a:r>
-              <a:rPr lang="en-US" altLang="zh-TW" i="1" dirty="0" smtClean="0"/>
-              <a:t>k-nearest-neighbor classification </a:t>
-            </a:r>
-            <a:r>
-              <a:rPr lang="en-US" altLang="zh-TW" dirty="0" smtClean="0"/>
-              <a:t>given k, the nearest number of neighbors, and n, the number of attributes describing each tuple.</a:t>
-            </a:r>
-          </a:p>
-          <a:p>
+              <a:t>It should contain your </a:t>
+            </a:r>
+            <a:r>
+              <a:rPr lang="en-US" altLang="zh-TW" dirty="0">
+                <a:solidFill>
+                  <a:srgbClr val="FF0000"/>
+                </a:solidFill>
+              </a:rPr>
+              <a:t>source codes</a:t>
+            </a:r>
+            <a:r>
+              <a:rPr lang="en-US" altLang="zh-TW" dirty="0"/>
+              <a:t>, </a:t>
+            </a:r>
+            <a:r>
+              <a:rPr lang="en-US" altLang="zh-TW" dirty="0">
+                <a:solidFill>
+                  <a:srgbClr val="FF0000"/>
+                </a:solidFill>
+              </a:rPr>
+              <a:t>sample input and generated output</a:t>
+            </a:r>
+            <a:r>
+              <a:rPr lang="en-US" altLang="zh-TW" dirty="0"/>
+              <a:t>, and </a:t>
+            </a:r>
+            <a:r>
+              <a:rPr lang="en-US" altLang="zh-TW" dirty="0">
+                <a:solidFill>
+                  <a:srgbClr val="FF0000"/>
+                </a:solidFill>
+              </a:rPr>
+              <a:t>documentation</a:t>
+            </a:r>
+            <a:r>
+              <a:rPr lang="en-US" altLang="zh-TW" dirty="0"/>
+              <a:t> on how to compile, install, or configure the environment</a:t>
+            </a:r>
+          </a:p>
+          <a:p>
+            <a:pPr lvl="1"/>
             <a:endParaRPr lang="zh-TW" altLang="en-US" dirty="0"/>
           </a:p>
         </p:txBody>
@@ -5121,20 +4718,13 @@
     </p:spTree>
     <p:extLst>
       <p:ext uri="{BB962C8B-B14F-4D97-AF65-F5344CB8AC3E}">
-        <p14:creationId xmlns:p14="http://schemas.microsoft.com/office/powerpoint/2010/main" val="275584222"/>
+        <p14:creationId xmlns:p14="http://schemas.microsoft.com/office/powerpoint/2010/main" val="2211693576"/>
       </p:ext>
     </p:extLst>
   </p:cSld>
   <p:clrMapOvr>
     <a:masterClrMapping/>
   </p:clrMapOvr>
-  <p:timing>
-    <p:tnLst>
-      <p:par>
-        <p:cTn id="1" dur="indefinite" restart="never" nodeType="tmRoot"/>
-      </p:par>
-    </p:tnLst>
-  </p:timing>
 </p:sld>
 </file>
 
@@ -5171,161 +4761,7 @@
           <a:lstStyle/>
           <a:p>
             <a:r>
-              <a:rPr lang="en-US" altLang="zh-TW" dirty="0" smtClean="0"/>
-              <a:t>Homework Submission</a:t>
-            </a:r>
-            <a:endParaRPr lang="zh-TW" altLang="en-US" dirty="0"/>
-          </a:p>
-        </p:txBody>
-      </p:sp>
-      <p:sp>
-        <p:nvSpPr>
-          <p:cNvPr id="3" name="內容版面配置區 2"/>
-          <p:cNvSpPr>
-            <a:spLocks noGrp="1"/>
-          </p:cNvSpPr>
-          <p:nvPr>
-            <p:ph idx="1"/>
-          </p:nvPr>
-        </p:nvSpPr>
-        <p:spPr/>
-        <p:txBody>
-          <a:bodyPr/>
-          <a:lstStyle/>
-          <a:p>
-            <a:r>
-              <a:rPr lang="en-US" altLang="zh-TW" dirty="0" smtClean="0"/>
-              <a:t>For hand-written exercises, please hand in your homework in class (paper version)</a:t>
-            </a:r>
-          </a:p>
-          <a:p>
-            <a:pPr lvl="1"/>
-            <a:r>
-              <a:rPr lang="en-US" altLang="zh-TW" dirty="0" smtClean="0"/>
-              <a:t>Remember to write your student ID</a:t>
-            </a:r>
-          </a:p>
-          <a:p>
-            <a:pPr lvl="1"/>
-            <a:endParaRPr lang="en-US" altLang="zh-TW" dirty="0"/>
-          </a:p>
-          <a:p>
-            <a:r>
-              <a:rPr lang="en-US" altLang="zh-TW" dirty="0" smtClean="0"/>
-              <a:t>For programming projects, please submit a compressed file to </a:t>
-            </a:r>
-            <a:r>
-              <a:rPr lang="en-US" altLang="zh-TW" dirty="0" err="1" smtClean="0"/>
-              <a:t>iSchool</a:t>
-            </a:r>
-            <a:r>
-              <a:rPr lang="en-US" altLang="zh-TW" dirty="0" smtClean="0"/>
-              <a:t>+</a:t>
-            </a:r>
-          </a:p>
-          <a:p>
-            <a:pPr lvl="1"/>
-            <a:r>
-              <a:rPr lang="en-US" altLang="zh-TW" dirty="0" smtClean="0"/>
-              <a:t>It should contain your </a:t>
-            </a:r>
-            <a:r>
-              <a:rPr lang="en-US" altLang="zh-TW" dirty="0" smtClean="0">
-                <a:solidFill>
-                  <a:srgbClr val="FF0000"/>
-                </a:solidFill>
-              </a:rPr>
-              <a:t>source codes</a:t>
-            </a:r>
-            <a:r>
-              <a:rPr lang="en-US" altLang="zh-TW" dirty="0" smtClean="0"/>
-              <a:t>, </a:t>
-            </a:r>
-            <a:r>
-              <a:rPr lang="en-US" altLang="zh-TW" dirty="0" smtClean="0">
-                <a:solidFill>
-                  <a:srgbClr val="FF0000"/>
-                </a:solidFill>
-              </a:rPr>
-              <a:t>sample input and generated output</a:t>
-            </a:r>
-            <a:r>
-              <a:rPr lang="en-US" altLang="zh-TW" dirty="0" smtClean="0"/>
-              <a:t>, and </a:t>
-            </a:r>
-            <a:r>
-              <a:rPr lang="en-US" altLang="zh-TW" dirty="0" smtClean="0">
-                <a:solidFill>
-                  <a:srgbClr val="FF0000"/>
-                </a:solidFill>
-              </a:rPr>
-              <a:t>documentation</a:t>
-            </a:r>
-            <a:r>
-              <a:rPr lang="en-US" altLang="zh-TW" dirty="0" smtClean="0"/>
-              <a:t> on how to compile, install, or configure the environment</a:t>
-            </a:r>
-          </a:p>
-          <a:p>
-            <a:pPr lvl="1"/>
-            <a:endParaRPr lang="zh-TW" altLang="en-US" dirty="0"/>
-          </a:p>
-        </p:txBody>
-      </p:sp>
-    </p:spTree>
-    <p:extLst>
-      <p:ext uri="{BB962C8B-B14F-4D97-AF65-F5344CB8AC3E}">
-        <p14:creationId xmlns:p14="http://schemas.microsoft.com/office/powerpoint/2010/main" val="2211693576"/>
-      </p:ext>
-    </p:extLst>
-  </p:cSld>
-  <p:clrMapOvr>
-    <a:masterClrMapping/>
-  </p:clrMapOvr>
-  <p:timing>
-    <p:tnLst>
-      <p:par>
-        <p:cTn id="1" dur="indefinite" restart="never" nodeType="tmRoot"/>
-      </p:par>
-    </p:tnLst>
-  </p:timing>
-</p:sld>
-</file>
-
-<file path=ppt/slides/slide9.xml><?xml version="1.0" encoding="utf-8"?>
-<p:sld xmlns:a="http://schemas.openxmlformats.org/drawingml/2006/main" xmlns:r="http://schemas.openxmlformats.org/officeDocument/2006/relationships" xmlns:p="http://schemas.openxmlformats.org/presentationml/2006/main">
-  <p:cSld>
-    <p:spTree>
-      <p:nvGrpSpPr>
-        <p:cNvPr id="1" name=""/>
-        <p:cNvGrpSpPr/>
-        <p:nvPr/>
-      </p:nvGrpSpPr>
-      <p:grpSpPr>
-        <a:xfrm>
-          <a:off x="0" y="0"/>
-          <a:ext cx="0" cy="0"/>
-          <a:chOff x="0" y="0"/>
-          <a:chExt cx="0" cy="0"/>
-        </a:xfrm>
-      </p:grpSpPr>
-      <p:sp>
-        <p:nvSpPr>
-          <p:cNvPr id="2" name="標題 1"/>
-          <p:cNvSpPr>
-            <a:spLocks noGrp="1"/>
-          </p:cNvSpPr>
-          <p:nvPr>
-            <p:ph type="title"/>
-          </p:nvPr>
-        </p:nvSpPr>
-        <p:spPr/>
-        <p:txBody>
-          <a:bodyPr/>
-          <a:lstStyle/>
-          <a:p>
-            <a:r>
-              <a:rPr lang="en-US" altLang="zh-TW" dirty="0" smtClean="0"/>
+              <a:rPr lang="en-US" altLang="zh-TW" dirty="0"/>
               <a:t>Thanks for Your Attention!</a:t>
             </a:r>
             <a:endParaRPr lang="zh-TW" altLang="en-US" dirty="0"/>
@@ -5361,13 +4797,6 @@
   <p:clrMapOvr>
     <a:masterClrMapping/>
   </p:clrMapOvr>
-  <p:timing>
-    <p:tnLst>
-      <p:par>
-        <p:cTn id="1" dur="indefinite" restart="never" nodeType="tmRoot"/>
-      </p:par>
-    </p:tnLst>
-  </p:timing>
 </p:sld>
 </file>
 

--- a/EDM/HW3.pptx
+++ b/EDM/HW3.pptx
@@ -11,9 +11,9 @@
     <p:sldId id="256" r:id="rId2"/>
     <p:sldId id="257" r:id="rId3"/>
     <p:sldId id="269" r:id="rId4"/>
-    <p:sldId id="265" r:id="rId5"/>
-    <p:sldId id="266" r:id="rId6"/>
-    <p:sldId id="268" r:id="rId7"/>
+    <p:sldId id="270" r:id="rId5"/>
+    <p:sldId id="265" r:id="rId6"/>
+    <p:sldId id="266" r:id="rId7"/>
     <p:sldId id="263" r:id="rId8"/>
     <p:sldId id="262" r:id="rId9"/>
   </p:sldIdLst>
@@ -204,7 +204,7 @@
           <a:p>
             <a:fld id="{B2F1E0E4-0167-4032-AC6F-196421B3EC55}" type="datetimeFigureOut">
               <a:rPr lang="zh-TW" altLang="en-US" smtClean="0"/>
-              <a:t>2024/10/29</a:t>
+              <a:t>2025/11/7</a:t>
             </a:fld>
             <a:endParaRPr lang="zh-TW" altLang="en-US"/>
           </a:p>
@@ -600,7 +600,7 @@
           <a:p>
             <a:fld id="{9553D06D-798D-41B2-8E09-945CDEC492DF}" type="datetimeFigureOut">
               <a:rPr lang="zh-TW" altLang="en-US" smtClean="0"/>
-              <a:t>2024/10/29</a:t>
+              <a:t>2025/11/7</a:t>
             </a:fld>
             <a:endParaRPr lang="zh-TW" altLang="en-US"/>
           </a:p>
@@ -768,7 +768,7 @@
           <a:p>
             <a:fld id="{9553D06D-798D-41B2-8E09-945CDEC492DF}" type="datetimeFigureOut">
               <a:rPr lang="zh-TW" altLang="en-US" smtClean="0"/>
-              <a:t>2024/10/29</a:t>
+              <a:t>2025/11/7</a:t>
             </a:fld>
             <a:endParaRPr lang="zh-TW" altLang="en-US"/>
           </a:p>
@@ -946,7 +946,7 @@
           <a:p>
             <a:fld id="{9553D06D-798D-41B2-8E09-945CDEC492DF}" type="datetimeFigureOut">
               <a:rPr lang="zh-TW" altLang="en-US" smtClean="0"/>
-              <a:t>2024/10/29</a:t>
+              <a:t>2025/11/7</a:t>
             </a:fld>
             <a:endParaRPr lang="zh-TW" altLang="en-US"/>
           </a:p>
@@ -1114,7 +1114,7 @@
           <a:p>
             <a:fld id="{9553D06D-798D-41B2-8E09-945CDEC492DF}" type="datetimeFigureOut">
               <a:rPr lang="zh-TW" altLang="en-US" smtClean="0"/>
-              <a:t>2024/10/29</a:t>
+              <a:t>2025/11/7</a:t>
             </a:fld>
             <a:endParaRPr lang="zh-TW" altLang="en-US"/>
           </a:p>
@@ -1359,7 +1359,7 @@
           <a:p>
             <a:fld id="{9553D06D-798D-41B2-8E09-945CDEC492DF}" type="datetimeFigureOut">
               <a:rPr lang="zh-TW" altLang="en-US" smtClean="0"/>
-              <a:t>2024/10/29</a:t>
+              <a:t>2025/11/7</a:t>
             </a:fld>
             <a:endParaRPr lang="zh-TW" altLang="en-US"/>
           </a:p>
@@ -1588,7 +1588,7 @@
           <a:p>
             <a:fld id="{9553D06D-798D-41B2-8E09-945CDEC492DF}" type="datetimeFigureOut">
               <a:rPr lang="zh-TW" altLang="en-US" smtClean="0"/>
-              <a:t>2024/10/29</a:t>
+              <a:t>2025/11/7</a:t>
             </a:fld>
             <a:endParaRPr lang="zh-TW" altLang="en-US"/>
           </a:p>
@@ -1952,7 +1952,7 @@
           <a:p>
             <a:fld id="{9553D06D-798D-41B2-8E09-945CDEC492DF}" type="datetimeFigureOut">
               <a:rPr lang="zh-TW" altLang="en-US" smtClean="0"/>
-              <a:t>2024/10/29</a:t>
+              <a:t>2025/11/7</a:t>
             </a:fld>
             <a:endParaRPr lang="zh-TW" altLang="en-US"/>
           </a:p>
@@ -2069,7 +2069,7 @@
           <a:p>
             <a:fld id="{9553D06D-798D-41B2-8E09-945CDEC492DF}" type="datetimeFigureOut">
               <a:rPr lang="zh-TW" altLang="en-US" smtClean="0"/>
-              <a:t>2024/10/29</a:t>
+              <a:t>2025/11/7</a:t>
             </a:fld>
             <a:endParaRPr lang="zh-TW" altLang="en-US"/>
           </a:p>
@@ -2164,7 +2164,7 @@
           <a:p>
             <a:fld id="{9553D06D-798D-41B2-8E09-945CDEC492DF}" type="datetimeFigureOut">
               <a:rPr lang="zh-TW" altLang="en-US" smtClean="0"/>
-              <a:t>2024/10/29</a:t>
+              <a:t>2025/11/7</a:t>
             </a:fld>
             <a:endParaRPr lang="zh-TW" altLang="en-US"/>
           </a:p>
@@ -2439,7 +2439,7 @@
           <a:p>
             <a:fld id="{9553D06D-798D-41B2-8E09-945CDEC492DF}" type="datetimeFigureOut">
               <a:rPr lang="zh-TW" altLang="en-US" smtClean="0"/>
-              <a:t>2024/10/29</a:t>
+              <a:t>2025/11/7</a:t>
             </a:fld>
             <a:endParaRPr lang="zh-TW" altLang="en-US"/>
           </a:p>
@@ -2691,7 +2691,7 @@
           <a:p>
             <a:fld id="{9553D06D-798D-41B2-8E09-945CDEC492DF}" type="datetimeFigureOut">
               <a:rPr lang="zh-TW" altLang="en-US" smtClean="0"/>
-              <a:t>2024/10/29</a:t>
+              <a:t>2025/11/7</a:t>
             </a:fld>
             <a:endParaRPr lang="zh-TW" altLang="en-US"/>
           </a:p>
@@ -2902,7 +2902,7 @@
           <a:p>
             <a:fld id="{9553D06D-798D-41B2-8E09-945CDEC492DF}" type="datetimeFigureOut">
               <a:rPr lang="zh-TW" altLang="en-US" smtClean="0"/>
-              <a:t>2024/10/29</a:t>
+              <a:t>2025/11/7</a:t>
             </a:fld>
             <a:endParaRPr lang="zh-TW" altLang="en-US"/>
           </a:p>
@@ -3361,7 +3361,7 @@
           <a:p>
             <a:r>
               <a:rPr lang="en-US" altLang="zh-TW" dirty="0"/>
-              <a:t>Oct. 30, 2024</a:t>
+              <a:t>Nov. 11, 2025</a:t>
             </a:r>
             <a:endParaRPr lang="zh-TW" altLang="en-US" dirty="0"/>
           </a:p>
@@ -3465,14 +3465,14 @@
             <a:pPr lvl="1"/>
             <a:r>
               <a:rPr lang="en-US" altLang="zh-TW" dirty="0"/>
+              <a:t>6.15</a:t>
+            </a:r>
+          </a:p>
+          <a:p>
+            <a:pPr lvl="1"/>
+            <a:r>
+              <a:rPr lang="en-US" altLang="zh-TW" dirty="0"/>
               <a:t>6.17</a:t>
-            </a:r>
-          </a:p>
-          <a:p>
-            <a:pPr lvl="1"/>
-            <a:r>
-              <a:rPr lang="en-US" altLang="zh-TW" dirty="0"/>
-              <a:t>6.19</a:t>
             </a:r>
           </a:p>
           <a:p>
@@ -3486,7 +3486,23 @@
                   <a:srgbClr val="FF0000"/>
                 </a:solidFill>
               </a:rPr>
-              <a:t>Nov. 13, 2024</a:t>
+              <a:t>Nov. </a:t>
+            </a:r>
+            <a:r>
+              <a:rPr lang="en-US" altLang="zh-TW">
+                <a:solidFill>
+                  <a:srgbClr val="FF0000"/>
+                </a:solidFill>
+              </a:rPr>
+              <a:t>25 </a:t>
+            </a:r>
+            <a:r>
+              <a:rPr lang="en-US" altLang="zh-TW" dirty="0">
+                <a:solidFill>
+                  <a:srgbClr val="FF0000"/>
+                </a:solidFill>
+              </a:rPr>
+              <a:t>2025</a:t>
             </a:r>
             <a:r>
               <a:rPr lang="en-US" altLang="zh-TW" dirty="0"/>
@@ -3670,6 +3686,128 @@
       </p:grpSpPr>
       <p:sp>
         <p:nvSpPr>
+          <p:cNvPr id="2" name="標題 1">
+            <a:extLst>
+              <a:ext uri="{FF2B5EF4-FFF2-40B4-BE49-F238E27FC236}">
+                <a16:creationId xmlns:a16="http://schemas.microsoft.com/office/drawing/2014/main" id="{AE30F913-A718-481C-81E7-DCB88D815352}"/>
+              </a:ext>
+            </a:extLst>
+          </p:cNvPr>
+          <p:cNvSpPr>
+            <a:spLocks noGrp="1"/>
+          </p:cNvSpPr>
+          <p:nvPr>
+            <p:ph type="title"/>
+          </p:nvPr>
+        </p:nvSpPr>
+        <p:spPr/>
+        <p:txBody>
+          <a:bodyPr/>
+          <a:lstStyle/>
+          <a:p>
+            <a:endParaRPr lang="zh-TW" altLang="en-US"/>
+          </a:p>
+        </p:txBody>
+      </p:sp>
+      <p:sp>
+        <p:nvSpPr>
+          <p:cNvPr id="3" name="內容版面配置區 2">
+            <a:extLst>
+              <a:ext uri="{FF2B5EF4-FFF2-40B4-BE49-F238E27FC236}">
+                <a16:creationId xmlns:a16="http://schemas.microsoft.com/office/drawing/2014/main" id="{8A5AEA29-57A0-4389-9F3D-1030DE239F2C}"/>
+              </a:ext>
+            </a:extLst>
+          </p:cNvPr>
+          <p:cNvSpPr>
+            <a:spLocks noGrp="1"/>
+          </p:cNvSpPr>
+          <p:nvPr>
+            <p:ph idx="1"/>
+          </p:nvPr>
+        </p:nvSpPr>
+        <p:spPr/>
+        <p:txBody>
+          <a:bodyPr/>
+          <a:lstStyle/>
+          <a:p>
+            <a:r>
+              <a:rPr lang="en-US" altLang="zh-TW" dirty="0"/>
+              <a:t>6.15: Show that accuracy is a function of sensitivity and specificity, that is, prove Eq. (6.25).</a:t>
+            </a:r>
+          </a:p>
+          <a:p>
+            <a:endParaRPr lang="zh-TW" altLang="en-US" dirty="0"/>
+          </a:p>
+        </p:txBody>
+      </p:sp>
+      <p:pic>
+        <p:nvPicPr>
+          <p:cNvPr id="5" name="圖片 4">
+            <a:extLst>
+              <a:ext uri="{FF2B5EF4-FFF2-40B4-BE49-F238E27FC236}">
+                <a16:creationId xmlns:a16="http://schemas.microsoft.com/office/drawing/2014/main" id="{C89BBD18-CE86-4C29-A9A2-050061025DDC}"/>
+              </a:ext>
+            </a:extLst>
+          </p:cNvPr>
+          <p:cNvPicPr>
+            <a:picLocks noChangeAspect="1"/>
+          </p:cNvPicPr>
+          <p:nvPr/>
+        </p:nvPicPr>
+        <p:blipFill>
+          <a:blip r:embed="rId2">
+            <a:extLst>
+              <a:ext uri="{28A0092B-C50C-407E-A947-70E740481C1C}">
+                <a14:useLocalDpi xmlns:a14="http://schemas.microsoft.com/office/drawing/2010/main" val="0"/>
+              </a:ext>
+            </a:extLst>
+          </a:blip>
+          <a:stretch>
+            <a:fillRect/>
+          </a:stretch>
+        </p:blipFill>
+        <p:spPr>
+          <a:xfrm>
+            <a:off x="838200" y="2738062"/>
+            <a:ext cx="10621734" cy="970908"/>
+          </a:xfrm>
+          <a:prstGeom prst="rect">
+            <a:avLst/>
+          </a:prstGeom>
+        </p:spPr>
+      </p:pic>
+    </p:spTree>
+    <p:extLst>
+      <p:ext uri="{BB962C8B-B14F-4D97-AF65-F5344CB8AC3E}">
+        <p14:creationId xmlns:p14="http://schemas.microsoft.com/office/powerpoint/2010/main" val="2631379674"/>
+      </p:ext>
+    </p:extLst>
+  </p:cSld>
+  <p:clrMapOvr>
+    <a:masterClrMapping/>
+  </p:clrMapOvr>
+</p:sld>
+</file>
+
+<file path=ppt/slides/slide5.xml><?xml version="1.0" encoding="utf-8"?>
+<p:sld xmlns:a="http://schemas.openxmlformats.org/drawingml/2006/main" xmlns:r="http://schemas.openxmlformats.org/officeDocument/2006/relationships" xmlns:p="http://schemas.openxmlformats.org/presentationml/2006/main">
+  <p:cSld>
+    <p:spTree>
+      <p:nvGrpSpPr>
+        <p:cNvPr id="1" name=""/>
+        <p:cNvGrpSpPr/>
+        <p:nvPr/>
+      </p:nvGrpSpPr>
+      <p:grpSpPr>
+        <a:xfrm>
+          <a:off x="0" y="0"/>
+          <a:ext cx="0" cy="0"/>
+          <a:chOff x="0" y="0"/>
+          <a:chExt cx="0" cy="0"/>
+        </a:xfrm>
+      </p:grpSpPr>
+      <p:sp>
+        <p:nvSpPr>
           <p:cNvPr id="2" name="標題 1"/>
           <p:cNvSpPr>
             <a:spLocks noGrp="1"/>
@@ -3794,7 +3932,7 @@
 </p:sld>
 </file>
 
-<file path=ppt/slides/slide5.xml><?xml version="1.0" encoding="utf-8"?>
+<file path=ppt/slides/slide6.xml><?xml version="1.0" encoding="utf-8"?>
 <p:sld xmlns:a="http://schemas.openxmlformats.org/drawingml/2006/main" xmlns:r="http://schemas.openxmlformats.org/officeDocument/2006/relationships" xmlns:p="http://schemas.openxmlformats.org/presentationml/2006/main">
   <p:cSld>
     <p:spTree>
@@ -4484,103 +4622,6 @@
 </p:sld>
 </file>
 
-<file path=ppt/slides/slide6.xml><?xml version="1.0" encoding="utf-8"?>
-<p:sld xmlns:a="http://schemas.openxmlformats.org/drawingml/2006/main" xmlns:r="http://schemas.openxmlformats.org/officeDocument/2006/relationships" xmlns:p="http://schemas.openxmlformats.org/presentationml/2006/main">
-  <p:cSld>
-    <p:spTree>
-      <p:nvGrpSpPr>
-        <p:cNvPr id="1" name=""/>
-        <p:cNvGrpSpPr/>
-        <p:nvPr/>
-      </p:nvGrpSpPr>
-      <p:grpSpPr>
-        <a:xfrm>
-          <a:off x="0" y="0"/>
-          <a:ext cx="0" cy="0"/>
-          <a:chOff x="0" y="0"/>
-          <a:chExt cx="0" cy="0"/>
-        </a:xfrm>
-      </p:grpSpPr>
-      <p:sp>
-        <p:nvSpPr>
-          <p:cNvPr id="2" name="標題 1"/>
-          <p:cNvSpPr>
-            <a:spLocks noGrp="1"/>
-          </p:cNvSpPr>
-          <p:nvPr>
-            <p:ph type="title"/>
-          </p:nvPr>
-        </p:nvSpPr>
-        <p:spPr/>
-        <p:txBody>
-          <a:bodyPr/>
-          <a:lstStyle/>
-          <a:p>
-            <a:endParaRPr lang="zh-TW" altLang="en-US"/>
-          </a:p>
-        </p:txBody>
-      </p:sp>
-      <p:sp>
-        <p:nvSpPr>
-          <p:cNvPr id="3" name="內容版面配置區 2"/>
-          <p:cNvSpPr>
-            <a:spLocks noGrp="1"/>
-          </p:cNvSpPr>
-          <p:nvPr>
-            <p:ph idx="1"/>
-          </p:nvPr>
-        </p:nvSpPr>
-        <p:spPr/>
-        <p:txBody>
-          <a:bodyPr>
-            <a:normAutofit fontScale="92500"/>
-          </a:bodyPr>
-          <a:lstStyle/>
-          <a:p>
-            <a:r>
-              <a:rPr lang="en-US" altLang="zh-TW" dirty="0"/>
-              <a:t>6.19: Suppose that we want to select between two prediction models, M1 and M2. </a:t>
-            </a:r>
-          </a:p>
-          <a:p>
-            <a:r>
-              <a:rPr lang="en-US" altLang="zh-TW" dirty="0"/>
-              <a:t>We have performed 10 rounds of 10-fold cross-validation on each model, where the same data partitioning in round I is used for bothM1 andM2.</a:t>
-            </a:r>
-          </a:p>
-          <a:p>
-            <a:r>
-              <a:rPr lang="en-US" altLang="zh-TW" dirty="0"/>
-              <a:t>The error rates obtained for M1 are 30.5, 32.2, 20.7, 20.6, 31.0, 41.0, 27.7, 26.0, 21.5, 26.0. </a:t>
-            </a:r>
-          </a:p>
-          <a:p>
-            <a:r>
-              <a:rPr lang="en-US" altLang="zh-TW" dirty="0"/>
-              <a:t>The error rates for M2 are 22.4, 14.5, 22.4, 19.6, 20.7, 20.4, 22.1, 19.4, 16.2, 35.0.</a:t>
-            </a:r>
-          </a:p>
-          <a:p>
-            <a:r>
-              <a:rPr lang="en-US" altLang="zh-TW" dirty="0"/>
-              <a:t>Comment on whether one model is significantly better than the other considering a significance level of 1%.</a:t>
-            </a:r>
-          </a:p>
-        </p:txBody>
-      </p:sp>
-    </p:spTree>
-    <p:extLst>
-      <p:ext uri="{BB962C8B-B14F-4D97-AF65-F5344CB8AC3E}">
-        <p14:creationId xmlns:p14="http://schemas.microsoft.com/office/powerpoint/2010/main" val="943999965"/>
-      </p:ext>
-    </p:extLst>
-  </p:cSld>
-  <p:clrMapOvr>
-    <a:masterClrMapping/>
-  </p:clrMapOvr>
-</p:sld>
-</file>
-
 <file path=ppt/slides/slide7.xml><?xml version="1.0" encoding="utf-8"?>
 <p:sld xmlns:a="http://schemas.openxmlformats.org/drawingml/2006/main" xmlns:r="http://schemas.openxmlformats.org/officeDocument/2006/relationships" xmlns:p="http://schemas.openxmlformats.org/presentationml/2006/main">
   <p:cSld>
